--- a/Apresentação1.pptx
+++ b/Apresentação1.pptx
@@ -7,19 +7,16 @@
   <p:sldIdLst>
     <p:sldId id="256" r:id="rId2"/>
     <p:sldId id="257" r:id="rId3"/>
-    <p:sldId id="260" r:id="rId4"/>
-    <p:sldId id="258" r:id="rId5"/>
-    <p:sldId id="266" r:id="rId6"/>
-    <p:sldId id="259" r:id="rId7"/>
-    <p:sldId id="267" r:id="rId8"/>
-    <p:sldId id="262" r:id="rId9"/>
-    <p:sldId id="268" r:id="rId10"/>
-    <p:sldId id="263" r:id="rId11"/>
-    <p:sldId id="269" r:id="rId12"/>
-    <p:sldId id="264" r:id="rId13"/>
-    <p:sldId id="265" r:id="rId14"/>
-    <p:sldId id="270" r:id="rId15"/>
-    <p:sldId id="261" r:id="rId16"/>
+    <p:sldId id="262" r:id="rId4"/>
+    <p:sldId id="263" r:id="rId5"/>
+    <p:sldId id="269" r:id="rId6"/>
+    <p:sldId id="264" r:id="rId7"/>
+    <p:sldId id="265" r:id="rId8"/>
+    <p:sldId id="260" r:id="rId9"/>
+    <p:sldId id="258" r:id="rId10"/>
+    <p:sldId id="266" r:id="rId11"/>
+    <p:sldId id="259" r:id="rId12"/>
+    <p:sldId id="261" r:id="rId13"/>
   </p:sldIdLst>
   <p:sldSz cx="12192000" cy="6858000"/>
   <p:notesSz cx="6858000" cy="9144000"/>
@@ -3311,7 +3308,9 @@
     <dgm:cxn modelId="{27C59455-90CC-4388-B4E1-2B43A1731F94}" type="presParOf" srcId="{4399E0A1-5B87-4FB3-8BE4-9E442BD9E266}" destId="{34C6DAE3-D5B9-4C8D-B51C-B47BA1ABBE9A}" srcOrd="9" destOrd="0" presId="urn:microsoft.com/office/officeart/2005/8/layout/default"/>
     <dgm:cxn modelId="{04447759-7D99-45D3-AD37-871A096DBF89}" type="presParOf" srcId="{4399E0A1-5B87-4FB3-8BE4-9E442BD9E266}" destId="{4231F56B-124B-44DE-97A8-AEA8D9ACC582}" srcOrd="10" destOrd="0" presId="urn:microsoft.com/office/officeart/2005/8/layout/default"/>
   </dgm:cxnLst>
-  <dgm:bg/>
+  <dgm:bg>
+    <a:noFill/>
+  </dgm:bg>
   <dgm:whole/>
   <dgm:extLst>
     <a:ext uri="http://schemas.microsoft.com/office/drawing/2008/diagram">
@@ -8703,7 +8702,7 @@
           <a:p>
             <a:fld id="{6D040ACC-0358-4B4D-A4E1-79F0505E82AD}" type="datetimeFigureOut">
               <a:rPr lang="pt-BR" smtClean="0"/>
-              <a:t>12/04/2020</a:t>
+              <a:t>13/04/2020</a:t>
             </a:fld>
             <a:endParaRPr lang="pt-BR"/>
           </a:p>
@@ -8901,7 +8900,7 @@
           <a:p>
             <a:fld id="{6D040ACC-0358-4B4D-A4E1-79F0505E82AD}" type="datetimeFigureOut">
               <a:rPr lang="pt-BR" smtClean="0"/>
-              <a:t>12/04/2020</a:t>
+              <a:t>13/04/2020</a:t>
             </a:fld>
             <a:endParaRPr lang="pt-BR"/>
           </a:p>
@@ -9109,7 +9108,7 @@
           <a:p>
             <a:fld id="{6D040ACC-0358-4B4D-A4E1-79F0505E82AD}" type="datetimeFigureOut">
               <a:rPr lang="pt-BR" smtClean="0"/>
-              <a:t>12/04/2020</a:t>
+              <a:t>13/04/2020</a:t>
             </a:fld>
             <a:endParaRPr lang="pt-BR"/>
           </a:p>
@@ -9307,7 +9306,7 @@
           <a:p>
             <a:fld id="{6D040ACC-0358-4B4D-A4E1-79F0505E82AD}" type="datetimeFigureOut">
               <a:rPr lang="pt-BR" smtClean="0"/>
-              <a:t>12/04/2020</a:t>
+              <a:t>13/04/2020</a:t>
             </a:fld>
             <a:endParaRPr lang="pt-BR"/>
           </a:p>
@@ -9582,7 +9581,7 @@
           <a:p>
             <a:fld id="{6D040ACC-0358-4B4D-A4E1-79F0505E82AD}" type="datetimeFigureOut">
               <a:rPr lang="pt-BR" smtClean="0"/>
-              <a:t>12/04/2020</a:t>
+              <a:t>13/04/2020</a:t>
             </a:fld>
             <a:endParaRPr lang="pt-BR"/>
           </a:p>
@@ -9847,7 +9846,7 @@
           <a:p>
             <a:fld id="{6D040ACC-0358-4B4D-A4E1-79F0505E82AD}" type="datetimeFigureOut">
               <a:rPr lang="pt-BR" smtClean="0"/>
-              <a:t>12/04/2020</a:t>
+              <a:t>13/04/2020</a:t>
             </a:fld>
             <a:endParaRPr lang="pt-BR"/>
           </a:p>
@@ -10259,7 +10258,7 @@
           <a:p>
             <a:fld id="{6D040ACC-0358-4B4D-A4E1-79F0505E82AD}" type="datetimeFigureOut">
               <a:rPr lang="pt-BR" smtClean="0"/>
-              <a:t>12/04/2020</a:t>
+              <a:t>13/04/2020</a:t>
             </a:fld>
             <a:endParaRPr lang="pt-BR"/>
           </a:p>
@@ -10400,7 +10399,7 @@
           <a:p>
             <a:fld id="{6D040ACC-0358-4B4D-A4E1-79F0505E82AD}" type="datetimeFigureOut">
               <a:rPr lang="pt-BR" smtClean="0"/>
-              <a:t>12/04/2020</a:t>
+              <a:t>13/04/2020</a:t>
             </a:fld>
             <a:endParaRPr lang="pt-BR"/>
           </a:p>
@@ -10513,7 +10512,7 @@
           <a:p>
             <a:fld id="{6D040ACC-0358-4B4D-A4E1-79F0505E82AD}" type="datetimeFigureOut">
               <a:rPr lang="pt-BR" smtClean="0"/>
-              <a:t>12/04/2020</a:t>
+              <a:t>13/04/2020</a:t>
             </a:fld>
             <a:endParaRPr lang="pt-BR"/>
           </a:p>
@@ -10824,7 +10823,7 @@
           <a:p>
             <a:fld id="{6D040ACC-0358-4B4D-A4E1-79F0505E82AD}" type="datetimeFigureOut">
               <a:rPr lang="pt-BR" smtClean="0"/>
-              <a:t>12/04/2020</a:t>
+              <a:t>13/04/2020</a:t>
             </a:fld>
             <a:endParaRPr lang="pt-BR"/>
           </a:p>
@@ -11112,7 +11111,7 @@
           <a:p>
             <a:fld id="{6D040ACC-0358-4B4D-A4E1-79F0505E82AD}" type="datetimeFigureOut">
               <a:rPr lang="pt-BR" smtClean="0"/>
-              <a:t>12/04/2020</a:t>
+              <a:t>13/04/2020</a:t>
             </a:fld>
             <a:endParaRPr lang="pt-BR"/>
           </a:p>
@@ -11353,7 +11352,7 @@
           <a:p>
             <a:fld id="{6D040ACC-0358-4B4D-A4E1-79F0505E82AD}" type="datetimeFigureOut">
               <a:rPr lang="pt-BR" smtClean="0"/>
-              <a:t>12/04/2020</a:t>
+              <a:t>13/04/2020</a:t>
             </a:fld>
             <a:endParaRPr lang="pt-BR"/>
           </a:p>
@@ -11893,69 +11892,6 @@
           </a:p>
         </p:txBody>
       </p:sp>
-      <p:pic>
-        <p:nvPicPr>
-          <p:cNvPr id="16" name="Picture 4" descr="Errado é a gente achar que o errado é sempre a gente… – Joyce Xavier">
-            <a:extLst>
-              <a:ext uri="{FF2B5EF4-FFF2-40B4-BE49-F238E27FC236}">
-                <a16:creationId xmlns:a16="http://schemas.microsoft.com/office/drawing/2014/main" id="{93FFAAA8-713F-43A0-9EE0-4C1811F14201}"/>
-              </a:ext>
-            </a:extLst>
-          </p:cNvPr>
-          <p:cNvPicPr>
-            <a:picLocks noChangeAspect="1" noChangeArrowheads="1"/>
-          </p:cNvPicPr>
-          <p:nvPr/>
-        </p:nvPicPr>
-        <p:blipFill>
-          <a:blip r:embed="rId2">
-            <a:extLst>
-              <a:ext uri="{BEBA8EAE-BF5A-486C-A8C5-ECC9F3942E4B}">
-                <a14:imgProps xmlns:a14="http://schemas.microsoft.com/office/drawing/2010/main">
-                  <a14:imgLayer r:embed="rId3">
-                    <a14:imgEffect>
-                      <a14:brightnessContrast bright="-40000" contrast="40000"/>
-                    </a14:imgEffect>
-                  </a14:imgLayer>
-                </a14:imgProps>
-              </a:ext>
-              <a:ext uri="{28A0092B-C50C-407E-A947-70E740481C1C}">
-                <a14:useLocalDpi xmlns:a14="http://schemas.microsoft.com/office/drawing/2010/main" val="0"/>
-              </a:ext>
-            </a:extLst>
-          </a:blip>
-          <a:srcRect/>
-          <a:stretch>
-            <a:fillRect/>
-          </a:stretch>
-        </p:blipFill>
-        <p:spPr bwMode="auto">
-          <a:xfrm>
-            <a:off x="9525000" y="669276"/>
-            <a:ext cx="1695233" cy="1695233"/>
-          </a:xfrm>
-          <a:prstGeom prst="rect">
-            <a:avLst/>
-          </a:prstGeom>
-          <a:noFill/>
-          <a:scene3d>
-            <a:camera prst="orthographicFront"/>
-            <a:lightRig rig="threePt" dir="t"/>
-          </a:scene3d>
-          <a:sp3d>
-            <a:bevelT w="152400" h="50800" prst="softRound"/>
-          </a:sp3d>
-          <a:extLst>
-            <a:ext uri="{909E8E84-426E-40DD-AFC4-6F175D3DCCD1}">
-              <a14:hiddenFill xmlns:a14="http://schemas.microsoft.com/office/drawing/2010/main">
-                <a:solidFill>
-                  <a:srgbClr val="FFFFFF"/>
-                </a:solidFill>
-              </a14:hiddenFill>
-            </a:ext>
-          </a:extLst>
-        </p:spPr>
-      </p:pic>
     </p:spTree>
     <p:extLst>
       <p:ext uri="{BB962C8B-B14F-4D97-AF65-F5344CB8AC3E}">
@@ -11988,10 +11924,99 @@
       </p:grpSpPr>
       <p:sp>
         <p:nvSpPr>
+          <p:cNvPr id="3" name="Espaço Reservado para Conteúdo 2">
+            <a:extLst>
+              <a:ext uri="{FF2B5EF4-FFF2-40B4-BE49-F238E27FC236}">
+                <a16:creationId xmlns:a16="http://schemas.microsoft.com/office/drawing/2014/main" id="{D32733F3-549E-4E9F-AF6E-919C7BB8A8BD}"/>
+              </a:ext>
+            </a:extLst>
+          </p:cNvPr>
+          <p:cNvSpPr>
+            <a:spLocks noGrp="1"/>
+          </p:cNvSpPr>
+          <p:nvPr>
+            <p:ph idx="1"/>
+          </p:nvPr>
+        </p:nvSpPr>
+        <p:spPr>
+          <a:xfrm>
+            <a:off x="2044148" y="1507573"/>
+            <a:ext cx="8464826" cy="4351338"/>
+          </a:xfrm>
+        </p:spPr>
+        <p:txBody>
+          <a:bodyPr>
+            <a:normAutofit/>
+          </a:bodyPr>
+          <a:lstStyle/>
+          <a:p>
+            <a:pPr marL="0" indent="0">
+              <a:buNone/>
+            </a:pPr>
+            <a:r>
+              <a:rPr lang="pt-BR" sz="6600" b="1" dirty="0"/>
+              <a:t>Escrever features </a:t>
+            </a:r>
+          </a:p>
+          <a:p>
+            <a:pPr marL="0" indent="0">
+              <a:buNone/>
+            </a:pPr>
+            <a:r>
+              <a:rPr lang="pt-BR" sz="6600" b="1" dirty="0"/>
+              <a:t>muito </a:t>
+            </a:r>
+            <a:r>
+              <a:rPr lang="pt-BR" sz="6600" b="1" dirty="0">
+                <a:solidFill>
+                  <a:srgbClr val="FFC000"/>
+                </a:solidFill>
+              </a:rPr>
+              <a:t>técnicas</a:t>
+            </a:r>
+            <a:r>
+              <a:rPr lang="pt-BR" sz="6600" b="1" dirty="0"/>
+              <a:t> </a:t>
+            </a:r>
+          </a:p>
+        </p:txBody>
+      </p:sp>
+    </p:spTree>
+    <p:extLst>
+      <p:ext uri="{BB962C8B-B14F-4D97-AF65-F5344CB8AC3E}">
+        <p14:creationId xmlns:p14="http://schemas.microsoft.com/office/powerpoint/2010/main" val="1962838202"/>
+      </p:ext>
+    </p:extLst>
+  </p:cSld>
+  <p:clrMapOvr>
+    <a:masterClrMapping/>
+  </p:clrMapOvr>
+</p:sld>
+</file>
+
+<file path=ppt/slides/slide11.xml><?xml version="1.0" encoding="utf-8"?>
+<p:sld xmlns:a="http://schemas.openxmlformats.org/drawingml/2006/main" xmlns:r="http://schemas.openxmlformats.org/officeDocument/2006/relationships" xmlns:p="http://schemas.openxmlformats.org/presentationml/2006/main">
+  <p:cSld>
+    <p:spTree>
+      <p:nvGrpSpPr>
+        <p:cNvPr id="1" name=""/>
+        <p:cNvGrpSpPr/>
+        <p:nvPr/>
+      </p:nvGrpSpPr>
+      <p:grpSpPr>
+        <a:xfrm>
+          <a:off x="0" y="0"/>
+          <a:ext cx="0" cy="0"/>
+          <a:chOff x="0" y="0"/>
+          <a:chExt cx="0" cy="0"/>
+        </a:xfrm>
+      </p:grpSpPr>
+      <p:sp>
+        <p:nvSpPr>
           <p:cNvPr id="2" name="Título 1">
             <a:extLst>
               <a:ext uri="{FF2B5EF4-FFF2-40B4-BE49-F238E27FC236}">
-                <a16:creationId xmlns:a16="http://schemas.microsoft.com/office/drawing/2014/main" id="{8759E651-684A-4300-9B67-D0190F852FCD}"/>
+                <a16:creationId xmlns:a16="http://schemas.microsoft.com/office/drawing/2014/main" id="{ECCFCE69-2ACB-43FF-8BD0-C61325494881}"/>
               </a:ext>
             </a:extLst>
           </p:cNvPr>
@@ -12007,10 +12032,1448 @@
           <a:bodyPr/>
           <a:lstStyle/>
           <a:p>
-            <a:endParaRPr lang="pt-BR"/>
+            <a:r>
+              <a:rPr lang="pt-BR" dirty="0"/>
+              <a:t>BDD de uma maneira não recomendada!</a:t>
+            </a:r>
           </a:p>
         </p:txBody>
       </p:sp>
+      <p:sp>
+        <p:nvSpPr>
+          <p:cNvPr id="3" name="Espaço Reservado para Conteúdo 2">
+            <a:extLst>
+              <a:ext uri="{FF2B5EF4-FFF2-40B4-BE49-F238E27FC236}">
+                <a16:creationId xmlns:a16="http://schemas.microsoft.com/office/drawing/2014/main" id="{3DB03518-8E0E-4961-AB12-E92E27146C3F}"/>
+              </a:ext>
+            </a:extLst>
+          </p:cNvPr>
+          <p:cNvSpPr>
+            <a:spLocks noGrp="1"/>
+          </p:cNvSpPr>
+          <p:nvPr>
+            <p:ph idx="1"/>
+          </p:nvPr>
+        </p:nvSpPr>
+        <p:spPr>
+          <a:xfrm>
+            <a:off x="838200" y="1439718"/>
+            <a:ext cx="10515600" cy="501939"/>
+          </a:xfrm>
+        </p:spPr>
+        <p:txBody>
+          <a:bodyPr/>
+          <a:lstStyle/>
+          <a:p>
+            <a:r>
+              <a:rPr lang="pt-BR" b="1" dirty="0"/>
+              <a:t>Escrever features muito técnicas</a:t>
+            </a:r>
+          </a:p>
+          <a:p>
+            <a:pPr marL="0" indent="0">
+              <a:buNone/>
+            </a:pPr>
+            <a:endParaRPr lang="pt-BR" b="1" dirty="0">
+              <a:effectLst/>
+            </a:endParaRPr>
+          </a:p>
+          <a:p>
+            <a:endParaRPr lang="pt-BR" b="0" dirty="0">
+              <a:effectLst/>
+            </a:endParaRPr>
+          </a:p>
+        </p:txBody>
+      </p:sp>
+      <p:sp>
+        <p:nvSpPr>
+          <p:cNvPr id="4" name="Retângulo 3">
+            <a:extLst>
+              <a:ext uri="{FF2B5EF4-FFF2-40B4-BE49-F238E27FC236}">
+                <a16:creationId xmlns:a16="http://schemas.microsoft.com/office/drawing/2014/main" id="{C194D2B2-8EF3-467A-A135-E54D3D16E0A8}"/>
+              </a:ext>
+            </a:extLst>
+          </p:cNvPr>
+          <p:cNvSpPr/>
+          <p:nvPr/>
+        </p:nvSpPr>
+        <p:spPr>
+          <a:xfrm>
+            <a:off x="838200" y="2133599"/>
+            <a:ext cx="10515600" cy="4230255"/>
+          </a:xfrm>
+          <a:prstGeom prst="rect">
+            <a:avLst/>
+          </a:prstGeom>
+          <a:solidFill>
+            <a:schemeClr val="tx1"/>
+          </a:solidFill>
+        </p:spPr>
+        <p:style>
+          <a:lnRef idx="2">
+            <a:schemeClr val="accent1">
+              <a:shade val="50000"/>
+            </a:schemeClr>
+          </a:lnRef>
+          <a:fillRef idx="1">
+            <a:schemeClr val="accent1"/>
+          </a:fillRef>
+          <a:effectRef idx="0">
+            <a:schemeClr val="accent1"/>
+          </a:effectRef>
+          <a:fontRef idx="minor">
+            <a:schemeClr val="lt1"/>
+          </a:fontRef>
+        </p:style>
+        <p:txBody>
+          <a:bodyPr rtlCol="0" anchor="ctr"/>
+          <a:lstStyle/>
+          <a:p>
+            <a:r>
+              <a:rPr lang="pt-BR" i="1" dirty="0"/>
+              <a:t># EXEMPLO RUIM! Não faça isso!</a:t>
+            </a:r>
+            <a:endParaRPr lang="pt-BR" dirty="0"/>
+          </a:p>
+          <a:p>
+            <a:br>
+              <a:rPr lang="pt-BR" dirty="0"/>
+            </a:br>
+            <a:r>
+              <a:rPr lang="pt-BR" dirty="0" err="1"/>
+              <a:t>language</a:t>
+            </a:r>
+            <a:r>
+              <a:rPr lang="pt-BR" dirty="0"/>
+              <a:t>: </a:t>
+            </a:r>
+            <a:r>
+              <a:rPr lang="pt-BR" dirty="0" err="1"/>
+              <a:t>pt</a:t>
+            </a:r>
+            <a:endParaRPr lang="pt-BR" dirty="0"/>
+          </a:p>
+          <a:p>
+            <a:br>
+              <a:rPr lang="pt-BR" dirty="0"/>
+            </a:br>
+            <a:r>
+              <a:rPr lang="pt-BR" dirty="0">
+                <a:solidFill>
+                  <a:srgbClr val="9966FF"/>
+                </a:solidFill>
+              </a:rPr>
+              <a:t>Funcionalidade</a:t>
+            </a:r>
+            <a:r>
+              <a:rPr lang="pt-BR" dirty="0"/>
+              <a:t>: </a:t>
+            </a:r>
+            <a:r>
+              <a:rPr lang="pt-BR" dirty="0">
+                <a:solidFill>
+                  <a:schemeClr val="accent6">
+                    <a:lumMod val="60000"/>
+                    <a:lumOff val="40000"/>
+                  </a:schemeClr>
+                </a:solidFill>
+              </a:rPr>
+              <a:t>Compra de produtos</a:t>
+            </a:r>
+          </a:p>
+          <a:p>
+            <a:br>
+              <a:rPr lang="pt-BR" dirty="0">
+                <a:solidFill>
+                  <a:schemeClr val="accent6">
+                    <a:lumMod val="60000"/>
+                    <a:lumOff val="40000"/>
+                  </a:schemeClr>
+                </a:solidFill>
+              </a:rPr>
+            </a:br>
+            <a:r>
+              <a:rPr lang="pt-BR" dirty="0" err="1">
+                <a:solidFill>
+                  <a:srgbClr val="9966FF"/>
+                </a:solidFill>
+              </a:rPr>
+              <a:t>Cenario</a:t>
+            </a:r>
+            <a:r>
+              <a:rPr lang="pt-BR" dirty="0"/>
+              <a:t>: </a:t>
+            </a:r>
+            <a:r>
+              <a:rPr lang="pt-BR" dirty="0">
+                <a:solidFill>
+                  <a:schemeClr val="accent6">
+                    <a:lumMod val="60000"/>
+                    <a:lumOff val="40000"/>
+                  </a:schemeClr>
+                </a:solidFill>
+              </a:rPr>
+              <a:t>Compra de um produto com frete grátis em região específica</a:t>
+            </a:r>
+          </a:p>
+          <a:p>
+            <a:br>
+              <a:rPr lang="pt-BR" dirty="0">
+                <a:solidFill>
+                  <a:schemeClr val="accent6">
+                    <a:lumMod val="60000"/>
+                    <a:lumOff val="40000"/>
+                  </a:schemeClr>
+                </a:solidFill>
+              </a:rPr>
+            </a:br>
+            <a:r>
+              <a:rPr lang="pt-BR" dirty="0"/>
+              <a:t>    </a:t>
+            </a:r>
+            <a:r>
+              <a:rPr lang="pt-BR" dirty="0">
+                <a:solidFill>
+                  <a:srgbClr val="9966FF"/>
+                </a:solidFill>
+              </a:rPr>
+              <a:t>Dado</a:t>
+            </a:r>
+            <a:r>
+              <a:rPr lang="pt-BR" dirty="0"/>
+              <a:t> que eu sou um cliente da região Sudeste</a:t>
+            </a:r>
+          </a:p>
+          <a:p>
+            <a:r>
+              <a:rPr lang="pt-BR" dirty="0"/>
+              <a:t>    </a:t>
+            </a:r>
+            <a:r>
+              <a:rPr lang="pt-BR" dirty="0">
+                <a:solidFill>
+                  <a:srgbClr val="9966FF"/>
+                </a:solidFill>
+              </a:rPr>
+              <a:t>Quando</a:t>
+            </a:r>
+            <a:r>
+              <a:rPr lang="pt-BR" dirty="0"/>
+              <a:t> eu clico no menu</a:t>
+            </a:r>
+            <a:r>
+              <a:rPr lang="pt-BR" dirty="0">
+                <a:solidFill>
+                  <a:schemeClr val="accent6">
+                    <a:lumMod val="60000"/>
+                    <a:lumOff val="40000"/>
+                  </a:schemeClr>
+                </a:solidFill>
+              </a:rPr>
+              <a:t> "eletrônicos"</a:t>
+            </a:r>
+          </a:p>
+          <a:p>
+            <a:r>
+              <a:rPr lang="pt-BR" dirty="0"/>
+              <a:t>        </a:t>
+            </a:r>
+            <a:r>
+              <a:rPr lang="pt-BR" dirty="0">
+                <a:solidFill>
+                  <a:srgbClr val="9966FF"/>
+                </a:solidFill>
+              </a:rPr>
+              <a:t>E</a:t>
+            </a:r>
+            <a:r>
+              <a:rPr lang="pt-BR" dirty="0"/>
+              <a:t> eu clico no item </a:t>
+            </a:r>
+            <a:r>
+              <a:rPr lang="pt-BR" dirty="0">
+                <a:solidFill>
+                  <a:schemeClr val="accent6">
+                    <a:lumMod val="60000"/>
+                    <a:lumOff val="40000"/>
+                  </a:schemeClr>
+                </a:solidFill>
+              </a:rPr>
+              <a:t>"TVs 49" </a:t>
+            </a:r>
+            <a:r>
+              <a:rPr lang="pt-BR" dirty="0"/>
+              <a:t>no canto esquerdo da tela</a:t>
+            </a:r>
+          </a:p>
+          <a:p>
+            <a:r>
+              <a:rPr lang="pt-BR" dirty="0"/>
+              <a:t>        </a:t>
+            </a:r>
+            <a:r>
+              <a:rPr lang="pt-BR" dirty="0">
+                <a:solidFill>
+                  <a:srgbClr val="9966FF"/>
+                </a:solidFill>
+              </a:rPr>
+              <a:t>E</a:t>
+            </a:r>
+            <a:r>
+              <a:rPr lang="pt-BR" dirty="0"/>
+              <a:t> eu clico na </a:t>
+            </a:r>
+            <a:r>
+              <a:rPr lang="pt-BR" dirty="0">
+                <a:solidFill>
+                  <a:schemeClr val="accent6">
+                    <a:lumMod val="60000"/>
+                    <a:lumOff val="40000"/>
+                  </a:schemeClr>
+                </a:solidFill>
+              </a:rPr>
+              <a:t>"TV LG </a:t>
+            </a:r>
+            <a:r>
+              <a:rPr lang="pt-BR" dirty="0" err="1">
+                <a:solidFill>
+                  <a:schemeClr val="accent6">
+                    <a:lumMod val="60000"/>
+                    <a:lumOff val="40000"/>
+                  </a:schemeClr>
+                </a:solidFill>
+              </a:rPr>
+              <a:t>Smart</a:t>
+            </a:r>
+            <a:r>
+              <a:rPr lang="pt-BR" dirty="0">
+                <a:solidFill>
+                  <a:schemeClr val="accent6">
+                    <a:lumMod val="60000"/>
+                    <a:lumOff val="40000"/>
+                  </a:schemeClr>
+                </a:solidFill>
+              </a:rPr>
+              <a:t> 49"</a:t>
+            </a:r>
+          </a:p>
+          <a:p>
+            <a:r>
+              <a:rPr lang="pt-BR" dirty="0"/>
+              <a:t>        </a:t>
+            </a:r>
+            <a:r>
+              <a:rPr lang="pt-BR" dirty="0">
+                <a:solidFill>
+                  <a:srgbClr val="9966FF"/>
+                </a:solidFill>
+              </a:rPr>
+              <a:t>E</a:t>
+            </a:r>
+            <a:r>
+              <a:rPr lang="pt-BR" dirty="0"/>
+              <a:t> eu preencho meu CEP com </a:t>
+            </a:r>
+            <a:r>
+              <a:rPr lang="pt-BR" dirty="0">
+                <a:solidFill>
+                  <a:schemeClr val="accent6">
+                    <a:lumMod val="60000"/>
+                    <a:lumOff val="40000"/>
+                  </a:schemeClr>
+                </a:solidFill>
+              </a:rPr>
+              <a:t>"91010-000"</a:t>
+            </a:r>
+          </a:p>
+          <a:p>
+            <a:r>
+              <a:rPr lang="pt-BR" dirty="0"/>
+              <a:t>        </a:t>
+            </a:r>
+            <a:r>
+              <a:rPr lang="pt-BR" dirty="0">
+                <a:solidFill>
+                  <a:srgbClr val="9966FF"/>
+                </a:solidFill>
+              </a:rPr>
+              <a:t>E</a:t>
+            </a:r>
+            <a:r>
+              <a:rPr lang="pt-BR" dirty="0"/>
+              <a:t> eu clico no botão </a:t>
+            </a:r>
+            <a:r>
+              <a:rPr lang="pt-BR" dirty="0">
+                <a:solidFill>
+                  <a:schemeClr val="accent6">
+                    <a:lumMod val="60000"/>
+                    <a:lumOff val="40000"/>
+                  </a:schemeClr>
+                </a:solidFill>
+              </a:rPr>
+              <a:t>"Calcular frete"</a:t>
+            </a:r>
+          </a:p>
+          <a:p>
+            <a:r>
+              <a:rPr lang="pt-BR" dirty="0"/>
+              <a:t>    </a:t>
+            </a:r>
+            <a:r>
+              <a:rPr lang="pt-BR" dirty="0">
+                <a:solidFill>
+                  <a:srgbClr val="9966FF"/>
+                </a:solidFill>
+              </a:rPr>
+              <a:t>Então</a:t>
+            </a:r>
+            <a:r>
+              <a:rPr lang="pt-BR" dirty="0"/>
+              <a:t> eu vejo a mensagem </a:t>
+            </a:r>
+            <a:r>
+              <a:rPr lang="pt-BR" dirty="0">
+                <a:solidFill>
+                  <a:schemeClr val="accent6">
+                    <a:lumMod val="60000"/>
+                    <a:lumOff val="40000"/>
+                  </a:schemeClr>
+                </a:solidFill>
+              </a:rPr>
+              <a:t>"Frete Grátis!" </a:t>
+            </a:r>
+            <a:r>
+              <a:rPr lang="pt-BR" dirty="0"/>
+              <a:t>abaixo do botão</a:t>
+            </a:r>
+          </a:p>
+        </p:txBody>
+      </p:sp>
+      <p:pic>
+        <p:nvPicPr>
+          <p:cNvPr id="3074" name="Picture 2" descr="bonecos brancos engraçados - Pesquisa do Google | Como fazer um ...">
+            <a:extLst>
+              <a:ext uri="{FF2B5EF4-FFF2-40B4-BE49-F238E27FC236}">
+                <a16:creationId xmlns:a16="http://schemas.microsoft.com/office/drawing/2014/main" id="{75DA4F10-70B4-4320-97E7-902A1978E30F}"/>
+              </a:ext>
+            </a:extLst>
+          </p:cNvPr>
+          <p:cNvPicPr>
+            <a:picLocks noChangeAspect="1" noChangeArrowheads="1"/>
+          </p:cNvPicPr>
+          <p:nvPr/>
+        </p:nvPicPr>
+        <p:blipFill>
+          <a:blip r:embed="rId2">
+            <a:extLst>
+              <a:ext uri="{28A0092B-C50C-407E-A947-70E740481C1C}">
+                <a14:useLocalDpi xmlns:a14="http://schemas.microsoft.com/office/drawing/2010/main" val="0"/>
+              </a:ext>
+            </a:extLst>
+          </a:blip>
+          <a:srcRect/>
+          <a:stretch>
+            <a:fillRect/>
+          </a:stretch>
+        </p:blipFill>
+        <p:spPr bwMode="auto">
+          <a:xfrm>
+            <a:off x="10268527" y="246278"/>
+            <a:ext cx="1563255" cy="1563255"/>
+          </a:xfrm>
+          <a:prstGeom prst="rect">
+            <a:avLst/>
+          </a:prstGeom>
+          <a:noFill/>
+          <a:extLst>
+            <a:ext uri="{909E8E84-426E-40DD-AFC4-6F175D3DCCD1}">
+              <a14:hiddenFill xmlns:a14="http://schemas.microsoft.com/office/drawing/2010/main">
+                <a:solidFill>
+                  <a:srgbClr val="FFFFFF"/>
+                </a:solidFill>
+              </a14:hiddenFill>
+            </a:ext>
+          </a:extLst>
+        </p:spPr>
+      </p:pic>
+    </p:spTree>
+    <p:extLst>
+      <p:ext uri="{BB962C8B-B14F-4D97-AF65-F5344CB8AC3E}">
+        <p14:creationId xmlns:p14="http://schemas.microsoft.com/office/powerpoint/2010/main" val="3812794246"/>
+      </p:ext>
+    </p:extLst>
+  </p:cSld>
+  <p:clrMapOvr>
+    <a:masterClrMapping/>
+  </p:clrMapOvr>
+</p:sld>
+</file>
+
+<file path=ppt/slides/slide12.xml><?xml version="1.0" encoding="utf-8"?>
+<p:sld xmlns:a="http://schemas.openxmlformats.org/drawingml/2006/main" xmlns:r="http://schemas.openxmlformats.org/officeDocument/2006/relationships" xmlns:p="http://schemas.openxmlformats.org/presentationml/2006/main">
+  <p:cSld>
+    <p:spTree>
+      <p:nvGrpSpPr>
+        <p:cNvPr id="1" name=""/>
+        <p:cNvGrpSpPr/>
+        <p:nvPr/>
+      </p:nvGrpSpPr>
+      <p:grpSpPr>
+        <a:xfrm>
+          <a:off x="0" y="0"/>
+          <a:ext cx="0" cy="0"/>
+          <a:chOff x="0" y="0"/>
+          <a:chExt cx="0" cy="0"/>
+        </a:xfrm>
+      </p:grpSpPr>
+      <p:sp>
+        <p:nvSpPr>
+          <p:cNvPr id="2" name="Título 1">
+            <a:extLst>
+              <a:ext uri="{FF2B5EF4-FFF2-40B4-BE49-F238E27FC236}">
+                <a16:creationId xmlns:a16="http://schemas.microsoft.com/office/drawing/2014/main" id="{40D2E383-F8FC-449C-9A62-9E22523C92D1}"/>
+              </a:ext>
+            </a:extLst>
+          </p:cNvPr>
+          <p:cNvSpPr>
+            <a:spLocks noGrp="1"/>
+          </p:cNvSpPr>
+          <p:nvPr>
+            <p:ph type="title"/>
+          </p:nvPr>
+        </p:nvSpPr>
+        <p:spPr/>
+        <p:txBody>
+          <a:bodyPr/>
+          <a:lstStyle/>
+          <a:p>
+            <a:r>
+              <a:rPr lang="pt-BR" dirty="0"/>
+              <a:t>Um bom exemplo de BDD</a:t>
+            </a:r>
+          </a:p>
+        </p:txBody>
+      </p:sp>
+      <p:sp>
+        <p:nvSpPr>
+          <p:cNvPr id="3" name="Espaço Reservado para Conteúdo 2">
+            <a:extLst>
+              <a:ext uri="{FF2B5EF4-FFF2-40B4-BE49-F238E27FC236}">
+                <a16:creationId xmlns:a16="http://schemas.microsoft.com/office/drawing/2014/main" id="{BE198444-71F9-4C91-9ED3-B31724318920}"/>
+              </a:ext>
+            </a:extLst>
+          </p:cNvPr>
+          <p:cNvSpPr>
+            <a:spLocks noGrp="1"/>
+          </p:cNvSpPr>
+          <p:nvPr>
+            <p:ph idx="1"/>
+          </p:nvPr>
+        </p:nvSpPr>
+        <p:spPr>
+          <a:solidFill>
+            <a:schemeClr val="tx1"/>
+          </a:solidFill>
+        </p:spPr>
+        <p:txBody>
+          <a:bodyPr>
+            <a:normAutofit fontScale="47500" lnSpcReduction="20000"/>
+          </a:bodyPr>
+          <a:lstStyle/>
+          <a:p>
+            <a:pPr marL="0" indent="0">
+              <a:buNone/>
+            </a:pPr>
+            <a:r>
+              <a:rPr lang="pt-BR" b="1" i="1" dirty="0">
+                <a:solidFill>
+                  <a:schemeClr val="bg1"/>
+                </a:solidFill>
+              </a:rPr>
+              <a:t># EXEMPLO BOM! Faça isso</a:t>
+            </a:r>
+            <a:endParaRPr lang="pt-BR" b="0" dirty="0">
+              <a:solidFill>
+                <a:schemeClr val="bg1"/>
+              </a:solidFill>
+              <a:effectLst/>
+            </a:endParaRPr>
+          </a:p>
+          <a:p>
+            <a:pPr marL="0" indent="0">
+              <a:buNone/>
+            </a:pPr>
+            <a:r>
+              <a:rPr lang="pt-BR" b="1" dirty="0">
+                <a:solidFill>
+                  <a:srgbClr val="9966FF"/>
+                </a:solidFill>
+              </a:rPr>
+              <a:t>Funcionalidade</a:t>
+            </a:r>
+            <a:r>
+              <a:rPr lang="pt-BR" b="1" dirty="0">
+                <a:solidFill>
+                  <a:schemeClr val="bg1"/>
+                </a:solidFill>
+              </a:rPr>
+              <a:t>: </a:t>
+            </a:r>
+            <a:r>
+              <a:rPr lang="pt-BR" b="1" dirty="0">
+                <a:solidFill>
+                  <a:schemeClr val="accent6">
+                    <a:lumMod val="60000"/>
+                    <a:lumOff val="40000"/>
+                  </a:schemeClr>
+                </a:solidFill>
+              </a:rPr>
+              <a:t>Compra de produtos</a:t>
+            </a:r>
+            <a:endParaRPr lang="pt-BR" b="0" dirty="0">
+              <a:solidFill>
+                <a:schemeClr val="accent6">
+                  <a:lumMod val="60000"/>
+                  <a:lumOff val="40000"/>
+                </a:schemeClr>
+              </a:solidFill>
+              <a:effectLst/>
+            </a:endParaRPr>
+          </a:p>
+          <a:p>
+            <a:pPr marL="0" indent="0">
+              <a:buNone/>
+            </a:pPr>
+            <a:r>
+              <a:rPr lang="pt-BR" b="0" dirty="0">
+                <a:solidFill>
+                  <a:schemeClr val="bg1"/>
+                </a:solidFill>
+                <a:effectLst/>
+              </a:rPr>
+              <a:t> </a:t>
+            </a:r>
+          </a:p>
+          <a:p>
+            <a:pPr marL="0" indent="0">
+              <a:buNone/>
+            </a:pPr>
+            <a:r>
+              <a:rPr lang="pt-BR" b="1" dirty="0" err="1">
+                <a:solidFill>
+                  <a:srgbClr val="9966FF"/>
+                </a:solidFill>
+              </a:rPr>
+              <a:t>Cenario</a:t>
+            </a:r>
+            <a:r>
+              <a:rPr lang="pt-BR" b="1" dirty="0">
+                <a:solidFill>
+                  <a:schemeClr val="bg1"/>
+                </a:solidFill>
+              </a:rPr>
+              <a:t>: </a:t>
+            </a:r>
+            <a:r>
+              <a:rPr lang="pt-BR" b="1" dirty="0">
+                <a:solidFill>
+                  <a:schemeClr val="accent6">
+                    <a:lumMod val="60000"/>
+                    <a:lumOff val="40000"/>
+                  </a:schemeClr>
+                </a:solidFill>
+              </a:rPr>
+              <a:t>Compra de um produto com frete grátis em região específica</a:t>
+            </a:r>
+            <a:endParaRPr lang="pt-BR" b="0" dirty="0">
+              <a:solidFill>
+                <a:schemeClr val="accent6">
+                  <a:lumMod val="60000"/>
+                  <a:lumOff val="40000"/>
+                </a:schemeClr>
+              </a:solidFill>
+              <a:effectLst/>
+            </a:endParaRPr>
+          </a:p>
+          <a:p>
+            <a:pPr marL="0" indent="0">
+              <a:buNone/>
+            </a:pPr>
+            <a:r>
+              <a:rPr lang="pt-BR" b="1" dirty="0">
+                <a:solidFill>
+                  <a:schemeClr val="bg1"/>
+                </a:solidFill>
+              </a:rPr>
+              <a:t>    </a:t>
+            </a:r>
+            <a:r>
+              <a:rPr lang="pt-BR" b="1" dirty="0">
+                <a:solidFill>
+                  <a:srgbClr val="9966FF"/>
+                </a:solidFill>
+              </a:rPr>
+              <a:t>Dado</a:t>
+            </a:r>
+            <a:r>
+              <a:rPr lang="pt-BR" b="1" dirty="0">
+                <a:solidFill>
+                  <a:schemeClr val="bg1"/>
+                </a:solidFill>
+              </a:rPr>
+              <a:t> que eu sou um cliente</a:t>
+            </a:r>
+            <a:endParaRPr lang="pt-BR" b="0" dirty="0">
+              <a:solidFill>
+                <a:schemeClr val="bg1"/>
+              </a:solidFill>
+              <a:effectLst/>
+            </a:endParaRPr>
+          </a:p>
+          <a:p>
+            <a:pPr marL="0" indent="0">
+              <a:buNone/>
+            </a:pPr>
+            <a:r>
+              <a:rPr lang="pt-BR" b="1" dirty="0">
+                <a:solidFill>
+                  <a:schemeClr val="bg1"/>
+                </a:solidFill>
+              </a:rPr>
+              <a:t>    </a:t>
+            </a:r>
+            <a:r>
+              <a:rPr lang="pt-BR" b="1" dirty="0">
+                <a:solidFill>
+                  <a:srgbClr val="9966FF"/>
+                </a:solidFill>
+              </a:rPr>
+              <a:t>Quando</a:t>
+            </a:r>
+            <a:r>
+              <a:rPr lang="pt-BR" b="1" dirty="0">
+                <a:solidFill>
+                  <a:schemeClr val="bg1"/>
+                </a:solidFill>
+              </a:rPr>
+              <a:t> eu comprar um produto de qualquer categoria</a:t>
+            </a:r>
+            <a:endParaRPr lang="pt-BR" b="0" dirty="0">
+              <a:solidFill>
+                <a:schemeClr val="bg1"/>
+              </a:solidFill>
+              <a:effectLst/>
+            </a:endParaRPr>
+          </a:p>
+          <a:p>
+            <a:pPr marL="0" indent="0">
+              <a:buNone/>
+            </a:pPr>
+            <a:r>
+              <a:rPr lang="pt-BR" b="1" dirty="0">
+                <a:solidFill>
+                  <a:schemeClr val="bg1"/>
+                </a:solidFill>
+              </a:rPr>
+              <a:t>        </a:t>
+            </a:r>
+            <a:r>
+              <a:rPr lang="pt-BR" b="1" dirty="0">
+                <a:solidFill>
+                  <a:srgbClr val="9966FF"/>
+                </a:solidFill>
+              </a:rPr>
+              <a:t>E</a:t>
+            </a:r>
+            <a:r>
+              <a:rPr lang="pt-BR" b="1" dirty="0">
+                <a:solidFill>
+                  <a:schemeClr val="bg1"/>
+                </a:solidFill>
+              </a:rPr>
+              <a:t> o valor total da compra for igual ou maior a R$ 100</a:t>
+            </a:r>
+            <a:endParaRPr lang="pt-BR" b="0" dirty="0">
+              <a:solidFill>
+                <a:schemeClr val="bg1"/>
+              </a:solidFill>
+              <a:effectLst/>
+            </a:endParaRPr>
+          </a:p>
+          <a:p>
+            <a:pPr marL="0" indent="0">
+              <a:buNone/>
+            </a:pPr>
+            <a:r>
+              <a:rPr lang="pt-BR" b="1" dirty="0">
+                <a:solidFill>
+                  <a:schemeClr val="bg1"/>
+                </a:solidFill>
+              </a:rPr>
+              <a:t>        </a:t>
+            </a:r>
+            <a:r>
+              <a:rPr lang="pt-BR" b="1" dirty="0">
+                <a:solidFill>
+                  <a:srgbClr val="9966FF"/>
+                </a:solidFill>
+              </a:rPr>
+              <a:t>E</a:t>
+            </a:r>
+            <a:r>
+              <a:rPr lang="pt-BR" b="1" dirty="0">
+                <a:solidFill>
+                  <a:schemeClr val="bg1"/>
+                </a:solidFill>
+              </a:rPr>
+              <a:t> meu CEP pertencer a região Sudeste</a:t>
+            </a:r>
+            <a:endParaRPr lang="pt-BR" b="0" dirty="0">
+              <a:solidFill>
+                <a:schemeClr val="bg1"/>
+              </a:solidFill>
+              <a:effectLst/>
+            </a:endParaRPr>
+          </a:p>
+          <a:p>
+            <a:pPr marL="0" indent="0">
+              <a:buNone/>
+            </a:pPr>
+            <a:r>
+              <a:rPr lang="pt-BR" b="1" dirty="0">
+                <a:solidFill>
+                  <a:schemeClr val="bg1"/>
+                </a:solidFill>
+              </a:rPr>
+              <a:t>    </a:t>
+            </a:r>
+            <a:r>
+              <a:rPr lang="pt-BR" b="1" dirty="0" err="1">
+                <a:solidFill>
+                  <a:srgbClr val="9966FF"/>
+                </a:solidFill>
+              </a:rPr>
+              <a:t>Entao</a:t>
+            </a:r>
+            <a:r>
+              <a:rPr lang="pt-BR" b="1" dirty="0">
+                <a:solidFill>
+                  <a:schemeClr val="bg1"/>
+                </a:solidFill>
+              </a:rPr>
+              <a:t> eu vejo o frete grátis</a:t>
+            </a:r>
+            <a:endParaRPr lang="pt-BR" b="0" dirty="0">
+              <a:solidFill>
+                <a:schemeClr val="bg1"/>
+              </a:solidFill>
+              <a:effectLst/>
+            </a:endParaRPr>
+          </a:p>
+          <a:p>
+            <a:pPr marL="0" indent="0">
+              <a:buNone/>
+            </a:pPr>
+            <a:r>
+              <a:rPr lang="pt-BR" b="0" dirty="0">
+                <a:solidFill>
+                  <a:schemeClr val="bg1"/>
+                </a:solidFill>
+                <a:effectLst/>
+              </a:rPr>
+              <a:t> </a:t>
+            </a:r>
+          </a:p>
+          <a:p>
+            <a:pPr marL="0" indent="0">
+              <a:buNone/>
+            </a:pPr>
+            <a:r>
+              <a:rPr lang="pt-BR" b="1" i="1" dirty="0">
+                <a:solidFill>
+                  <a:schemeClr val="bg1">
+                    <a:lumMod val="65000"/>
+                  </a:schemeClr>
+                </a:solidFill>
+              </a:rPr>
+              <a:t>    # a região é composta pelas seguintes faixas e cep:</a:t>
+            </a:r>
+            <a:endParaRPr lang="pt-BR" b="0" dirty="0">
+              <a:solidFill>
+                <a:schemeClr val="bg1">
+                  <a:lumMod val="65000"/>
+                </a:schemeClr>
+              </a:solidFill>
+              <a:effectLst/>
+            </a:endParaRPr>
+          </a:p>
+          <a:p>
+            <a:pPr marL="0" indent="0">
+              <a:buNone/>
+            </a:pPr>
+            <a:r>
+              <a:rPr lang="pt-BR" b="1" i="1" dirty="0">
+                <a:solidFill>
+                  <a:schemeClr val="bg1">
+                    <a:lumMod val="65000"/>
+                  </a:schemeClr>
+                </a:solidFill>
+              </a:rPr>
+              <a:t>    #   PR | 80000-000  a 87999-999</a:t>
+            </a:r>
+            <a:endParaRPr lang="pt-BR" b="0" dirty="0">
+              <a:solidFill>
+                <a:schemeClr val="bg1">
+                  <a:lumMod val="65000"/>
+                </a:schemeClr>
+              </a:solidFill>
+              <a:effectLst/>
+            </a:endParaRPr>
+          </a:p>
+          <a:p>
+            <a:pPr marL="0" indent="0">
+              <a:buNone/>
+            </a:pPr>
+            <a:r>
+              <a:rPr lang="pt-BR" b="1" i="1" dirty="0">
+                <a:solidFill>
+                  <a:schemeClr val="bg1">
+                    <a:lumMod val="65000"/>
+                  </a:schemeClr>
+                </a:solidFill>
+              </a:rPr>
+              <a:t>    #   SC | 88000-000  a 89999-999</a:t>
+            </a:r>
+            <a:endParaRPr lang="pt-BR" b="0" dirty="0">
+              <a:solidFill>
+                <a:schemeClr val="bg1">
+                  <a:lumMod val="65000"/>
+                </a:schemeClr>
+              </a:solidFill>
+              <a:effectLst/>
+            </a:endParaRPr>
+          </a:p>
+          <a:p>
+            <a:pPr marL="0" indent="0">
+              <a:buNone/>
+            </a:pPr>
+            <a:r>
+              <a:rPr lang="pt-BR" b="1" i="1" dirty="0">
+                <a:solidFill>
+                  <a:schemeClr val="bg1">
+                    <a:lumMod val="65000"/>
+                  </a:schemeClr>
+                </a:solidFill>
+              </a:rPr>
+              <a:t>    #   RS | 90000-000  a 99999-99</a:t>
+            </a:r>
+            <a:endParaRPr lang="pt-BR" b="0" dirty="0">
+              <a:solidFill>
+                <a:schemeClr val="bg1">
+                  <a:lumMod val="65000"/>
+                </a:schemeClr>
+              </a:solidFill>
+              <a:effectLst/>
+            </a:endParaRPr>
+          </a:p>
+          <a:p>
+            <a:pPr marL="0" indent="0">
+              <a:buNone/>
+            </a:pPr>
+            <a:br>
+              <a:rPr lang="pt-BR" dirty="0">
+                <a:solidFill>
+                  <a:schemeClr val="bg1"/>
+                </a:solidFill>
+              </a:rPr>
+            </a:br>
+            <a:endParaRPr lang="pt-BR" dirty="0">
+              <a:solidFill>
+                <a:schemeClr val="bg1"/>
+              </a:solidFill>
+            </a:endParaRPr>
+          </a:p>
+        </p:txBody>
+      </p:sp>
+      <p:pic>
+        <p:nvPicPr>
+          <p:cNvPr id="2050" name="Picture 2" descr="boneco branco template - Pesquisa Google | Software, Tudo sobre ...">
+            <a:extLst>
+              <a:ext uri="{FF2B5EF4-FFF2-40B4-BE49-F238E27FC236}">
+                <a16:creationId xmlns:a16="http://schemas.microsoft.com/office/drawing/2014/main" id="{81FEA69A-254E-4C57-8929-27BA404EF6F1}"/>
+              </a:ext>
+            </a:extLst>
+          </p:cNvPr>
+          <p:cNvPicPr>
+            <a:picLocks noChangeAspect="1" noChangeArrowheads="1"/>
+          </p:cNvPicPr>
+          <p:nvPr/>
+        </p:nvPicPr>
+        <p:blipFill>
+          <a:blip r:embed="rId2">
+            <a:extLst>
+              <a:ext uri="{28A0092B-C50C-407E-A947-70E740481C1C}">
+                <a14:useLocalDpi xmlns:a14="http://schemas.microsoft.com/office/drawing/2010/main" val="0"/>
+              </a:ext>
+            </a:extLst>
+          </a:blip>
+          <a:srcRect/>
+          <a:stretch>
+            <a:fillRect/>
+          </a:stretch>
+        </p:blipFill>
+        <p:spPr bwMode="auto">
+          <a:xfrm>
+            <a:off x="10271560" y="192593"/>
+            <a:ext cx="1570089" cy="1565564"/>
+          </a:xfrm>
+          <a:prstGeom prst="rect">
+            <a:avLst/>
+          </a:prstGeom>
+          <a:noFill/>
+          <a:extLst>
+            <a:ext uri="{909E8E84-426E-40DD-AFC4-6F175D3DCCD1}">
+              <a14:hiddenFill xmlns:a14="http://schemas.microsoft.com/office/drawing/2010/main">
+                <a:solidFill>
+                  <a:srgbClr val="FFFFFF"/>
+                </a:solidFill>
+              </a14:hiddenFill>
+            </a:ext>
+          </a:extLst>
+        </p:spPr>
+      </p:pic>
+    </p:spTree>
+    <p:extLst>
+      <p:ext uri="{BB962C8B-B14F-4D97-AF65-F5344CB8AC3E}">
+        <p14:creationId xmlns:p14="http://schemas.microsoft.com/office/powerpoint/2010/main" val="2591929374"/>
+      </p:ext>
+    </p:extLst>
+  </p:cSld>
+  <p:clrMapOvr>
+    <a:masterClrMapping/>
+  </p:clrMapOvr>
+</p:sld>
+</file>
+
+<file path=ppt/slides/slide2.xml><?xml version="1.0" encoding="utf-8"?>
+<p:sld xmlns:a="http://schemas.openxmlformats.org/drawingml/2006/main" xmlns:r="http://schemas.openxmlformats.org/officeDocument/2006/relationships" xmlns:p="http://schemas.openxmlformats.org/presentationml/2006/main">
+  <p:cSld>
+    <p:spTree>
+      <p:nvGrpSpPr>
+        <p:cNvPr id="1" name=""/>
+        <p:cNvGrpSpPr/>
+        <p:nvPr/>
+      </p:nvGrpSpPr>
+      <p:grpSpPr>
+        <a:xfrm>
+          <a:off x="0" y="0"/>
+          <a:ext cx="0" cy="0"/>
+          <a:chOff x="0" y="0"/>
+          <a:chExt cx="0" cy="0"/>
+        </a:xfrm>
+      </p:grpSpPr>
+      <p:sp>
+        <p:nvSpPr>
+          <p:cNvPr id="2" name="Título 1">
+            <a:extLst>
+              <a:ext uri="{FF2B5EF4-FFF2-40B4-BE49-F238E27FC236}">
+                <a16:creationId xmlns:a16="http://schemas.microsoft.com/office/drawing/2014/main" id="{7732D4A9-F7F9-45E2-A6A9-0A83D89DD54C}"/>
+              </a:ext>
+            </a:extLst>
+          </p:cNvPr>
+          <p:cNvSpPr>
+            <a:spLocks noGrp="1"/>
+          </p:cNvSpPr>
+          <p:nvPr>
+            <p:ph type="title"/>
+          </p:nvPr>
+        </p:nvSpPr>
+        <p:spPr>
+          <a:xfrm>
+            <a:off x="838200" y="290063"/>
+            <a:ext cx="10515600" cy="781948"/>
+          </a:xfrm>
+        </p:spPr>
+        <p:txBody>
+          <a:bodyPr/>
+          <a:lstStyle/>
+          <a:p>
+            <a:r>
+              <a:rPr lang="pt-BR" dirty="0"/>
+              <a:t>O Que é </a:t>
+            </a:r>
+            <a:r>
+              <a:rPr lang="pt-BR" b="1" dirty="0">
+                <a:solidFill>
+                  <a:srgbClr val="FFC000"/>
+                </a:solidFill>
+              </a:rPr>
+              <a:t>BDD</a:t>
+            </a:r>
+            <a:r>
+              <a:rPr lang="pt-BR" dirty="0"/>
+              <a:t>?</a:t>
+            </a:r>
+          </a:p>
+        </p:txBody>
+      </p:sp>
+      <p:sp>
+        <p:nvSpPr>
+          <p:cNvPr id="3" name="Espaço Reservado para Conteúdo 2">
+            <a:extLst>
+              <a:ext uri="{FF2B5EF4-FFF2-40B4-BE49-F238E27FC236}">
+                <a16:creationId xmlns:a16="http://schemas.microsoft.com/office/drawing/2014/main" id="{C532DAA5-C693-4C46-B5F6-EFB83A133B83}"/>
+              </a:ext>
+            </a:extLst>
+          </p:cNvPr>
+          <p:cNvSpPr>
+            <a:spLocks noGrp="1"/>
+          </p:cNvSpPr>
+          <p:nvPr>
+            <p:ph idx="1"/>
+          </p:nvPr>
+        </p:nvSpPr>
+        <p:spPr>
+          <a:xfrm>
+            <a:off x="3371675" y="1253331"/>
+            <a:ext cx="5772325" cy="4351338"/>
+          </a:xfrm>
+        </p:spPr>
+        <p:txBody>
+          <a:bodyPr/>
+          <a:lstStyle/>
+          <a:p>
+            <a:pPr marL="0" indent="0" algn="ctr">
+              <a:buNone/>
+            </a:pPr>
+            <a:endParaRPr lang="pt-BR" dirty="0"/>
+          </a:p>
+          <a:p>
+            <a:pPr marL="0" indent="0" algn="ctr">
+              <a:buNone/>
+            </a:pPr>
+            <a:r>
+              <a:rPr lang="pt-BR" dirty="0"/>
+              <a:t>BDD é um </a:t>
+            </a:r>
+            <a:r>
+              <a:rPr lang="pt-BR" dirty="0">
+                <a:solidFill>
+                  <a:schemeClr val="accent2"/>
+                </a:solidFill>
+              </a:rPr>
+              <a:t>processo colaborativo </a:t>
+            </a:r>
+            <a:r>
+              <a:rPr lang="pt-BR" dirty="0"/>
+              <a:t>que envolve </a:t>
+            </a:r>
+            <a:r>
+              <a:rPr lang="pt-BR" dirty="0">
+                <a:solidFill>
+                  <a:schemeClr val="accent2"/>
+                </a:solidFill>
+              </a:rPr>
+              <a:t>múltiplos membros do time trabalhando em conjunto </a:t>
+            </a:r>
+            <a:r>
+              <a:rPr lang="pt-BR" dirty="0"/>
+              <a:t>com Product Owner para descobrir e refinar requisitos usando conversas de forma estruturada sobre </a:t>
+            </a:r>
+            <a:r>
+              <a:rPr lang="pt-BR" dirty="0">
+                <a:solidFill>
+                  <a:schemeClr val="accent2"/>
+                </a:solidFill>
+              </a:rPr>
+              <a:t>exemplos de uso e comportamento do sistema.</a:t>
+            </a:r>
+          </a:p>
+        </p:txBody>
+      </p:sp>
+      <p:pic>
+        <p:nvPicPr>
+          <p:cNvPr id="1026" name="Picture 2" descr="Ilustração Do Ponto De Interrogação E Do Conceito 3d Do Homem ...">
+            <a:extLst>
+              <a:ext uri="{FF2B5EF4-FFF2-40B4-BE49-F238E27FC236}">
+                <a16:creationId xmlns:a16="http://schemas.microsoft.com/office/drawing/2014/main" id="{AF6FCB37-B887-4A1A-905D-722D3640D2F1}"/>
+              </a:ext>
+            </a:extLst>
+          </p:cNvPr>
+          <p:cNvPicPr>
+            <a:picLocks noChangeAspect="1" noChangeArrowheads="1"/>
+          </p:cNvPicPr>
+          <p:nvPr/>
+        </p:nvPicPr>
+        <p:blipFill>
+          <a:blip r:embed="rId2">
+            <a:extLst>
+              <a:ext uri="{28A0092B-C50C-407E-A947-70E740481C1C}">
+                <a14:useLocalDpi xmlns:a14="http://schemas.microsoft.com/office/drawing/2010/main" val="0"/>
+              </a:ext>
+            </a:extLst>
+          </a:blip>
+          <a:srcRect/>
+          <a:stretch>
+            <a:fillRect/>
+          </a:stretch>
+        </p:blipFill>
+        <p:spPr bwMode="auto">
+          <a:xfrm>
+            <a:off x="10142290" y="290063"/>
+            <a:ext cx="1745662" cy="1354179"/>
+          </a:xfrm>
+          <a:prstGeom prst="rect">
+            <a:avLst/>
+          </a:prstGeom>
+          <a:noFill/>
+          <a:scene3d>
+            <a:camera prst="orthographicFront"/>
+            <a:lightRig rig="threePt" dir="t"/>
+          </a:scene3d>
+          <a:sp3d>
+            <a:bevelB prst="relaxedInset"/>
+          </a:sp3d>
+          <a:extLst>
+            <a:ext uri="{909E8E84-426E-40DD-AFC4-6F175D3DCCD1}">
+              <a14:hiddenFill xmlns:a14="http://schemas.microsoft.com/office/drawing/2010/main">
+                <a:solidFill>
+                  <a:srgbClr val="FFFFFF"/>
+                </a:solidFill>
+              </a14:hiddenFill>
+            </a:ext>
+          </a:extLst>
+        </p:spPr>
+      </p:pic>
+      <p:sp>
+        <p:nvSpPr>
+          <p:cNvPr id="9" name="Retângulo: Cantos Arredondados 8">
+            <a:extLst>
+              <a:ext uri="{FF2B5EF4-FFF2-40B4-BE49-F238E27FC236}">
+                <a16:creationId xmlns:a16="http://schemas.microsoft.com/office/drawing/2014/main" id="{BA75A35F-2AC7-47F6-868B-AAD41D4D8A44}"/>
+              </a:ext>
+            </a:extLst>
+          </p:cNvPr>
+          <p:cNvSpPr/>
+          <p:nvPr/>
+        </p:nvSpPr>
+        <p:spPr>
+          <a:xfrm>
+            <a:off x="3093409" y="1450308"/>
+            <a:ext cx="6253791" cy="3315655"/>
+          </a:xfrm>
+          <a:prstGeom prst="roundRect">
+            <a:avLst/>
+          </a:prstGeom>
+          <a:noFill/>
+          <a:ln w="25400" cmpd="sng">
+            <a:prstDash val="sysDash"/>
+          </a:ln>
+        </p:spPr>
+        <p:style>
+          <a:lnRef idx="2">
+            <a:schemeClr val="accent1">
+              <a:shade val="50000"/>
+            </a:schemeClr>
+          </a:lnRef>
+          <a:fillRef idx="1">
+            <a:schemeClr val="accent1"/>
+          </a:fillRef>
+          <a:effectRef idx="0">
+            <a:schemeClr val="accent1"/>
+          </a:effectRef>
+          <a:fontRef idx="minor">
+            <a:schemeClr val="lt1"/>
+          </a:fontRef>
+        </p:style>
+        <p:txBody>
+          <a:bodyPr rtlCol="0" anchor="ctr"/>
+          <a:lstStyle/>
+          <a:p>
+            <a:pPr algn="ctr"/>
+            <a:endParaRPr lang="pt-BR"/>
+          </a:p>
+        </p:txBody>
+      </p:sp>
+    </p:spTree>
+    <p:extLst>
+      <p:ext uri="{BB962C8B-B14F-4D97-AF65-F5344CB8AC3E}">
+        <p14:creationId xmlns:p14="http://schemas.microsoft.com/office/powerpoint/2010/main" val="3361823484"/>
+      </p:ext>
+    </p:extLst>
+  </p:cSld>
+  <p:clrMapOvr>
+    <a:masterClrMapping/>
+  </p:clrMapOvr>
+  <mc:AlternateContent xmlns:mc="http://schemas.openxmlformats.org/markup-compatibility/2006" xmlns:p14="http://schemas.microsoft.com/office/powerpoint/2010/main">
+    <mc:Choice Requires="p14">
+      <p:transition p14:dur="10"/>
+    </mc:Choice>
+    <mc:Fallback xmlns="">
+      <p:transition/>
+    </mc:Fallback>
+  </mc:AlternateContent>
+</p:sld>
+</file>
+
+<file path=ppt/slides/slide3.xml><?xml version="1.0" encoding="utf-8"?>
+<p:sld xmlns:a="http://schemas.openxmlformats.org/drawingml/2006/main" xmlns:r="http://schemas.openxmlformats.org/officeDocument/2006/relationships" xmlns:p="http://schemas.openxmlformats.org/presentationml/2006/main">
+  <p:cSld>
+    <p:spTree>
+      <p:nvGrpSpPr>
+        <p:cNvPr id="1" name=""/>
+        <p:cNvGrpSpPr/>
+        <p:nvPr/>
+      </p:nvGrpSpPr>
+      <p:grpSpPr>
+        <a:xfrm>
+          <a:off x="0" y="0"/>
+          <a:ext cx="0" cy="0"/>
+          <a:chOff x="0" y="0"/>
+          <a:chExt cx="0" cy="0"/>
+        </a:xfrm>
+      </p:grpSpPr>
+      <p:sp>
+        <p:nvSpPr>
+          <p:cNvPr id="3" name="Espaço Reservado para Conteúdo 2">
+            <a:extLst>
+              <a:ext uri="{FF2B5EF4-FFF2-40B4-BE49-F238E27FC236}">
+                <a16:creationId xmlns:a16="http://schemas.microsoft.com/office/drawing/2014/main" id="{DCB39356-A433-4BCD-9682-A4382BA94FF4}"/>
+              </a:ext>
+            </a:extLst>
+          </p:cNvPr>
+          <p:cNvSpPr>
+            <a:spLocks noGrp="1"/>
+          </p:cNvSpPr>
+          <p:nvPr>
+            <p:ph idx="1"/>
+          </p:nvPr>
+        </p:nvSpPr>
+        <p:spPr/>
+        <p:txBody>
+          <a:bodyPr>
+            <a:normAutofit/>
+          </a:bodyPr>
+          <a:lstStyle/>
+          <a:p>
+            <a:pPr marL="0" indent="0">
+              <a:buNone/>
+            </a:pPr>
+            <a:r>
+              <a:rPr lang="pt-BR" sz="3600" b="1" dirty="0"/>
+              <a:t>	Você pode me </a:t>
+            </a:r>
+          </a:p>
+          <a:p>
+            <a:pPr marL="0" indent="0">
+              <a:buNone/>
+            </a:pPr>
+            <a:r>
+              <a:rPr lang="pt-BR" sz="3600" b="1" dirty="0"/>
+              <a:t>	dar um </a:t>
+            </a:r>
+            <a:r>
+              <a:rPr lang="pt-BR" sz="3600" b="1" dirty="0">
+                <a:solidFill>
+                  <a:schemeClr val="accent4"/>
+                </a:solidFill>
+              </a:rPr>
+              <a:t>exemplo</a:t>
+            </a:r>
+            <a:r>
+              <a:rPr lang="pt-BR" sz="3600" b="1" dirty="0"/>
+              <a:t> </a:t>
+            </a:r>
+          </a:p>
+          <a:p>
+            <a:pPr marL="0" indent="0">
+              <a:buNone/>
+            </a:pPr>
+            <a:r>
+              <a:rPr lang="pt-BR" sz="3600" b="1" dirty="0"/>
+              <a:t>	deste requisito?</a:t>
+            </a:r>
+          </a:p>
+        </p:txBody>
+      </p:sp>
+      <p:pic>
+        <p:nvPicPr>
+          <p:cNvPr id="5124" name="Picture 4" descr="Homem 3d Que Pensa Com Ponto De Interrogação Vermelho Na Bolha Do ...">
+            <a:extLst>
+              <a:ext uri="{FF2B5EF4-FFF2-40B4-BE49-F238E27FC236}">
+                <a16:creationId xmlns:a16="http://schemas.microsoft.com/office/drawing/2014/main" id="{DC8D2066-E584-4DC0-8380-8FABBCC69C06}"/>
+              </a:ext>
+            </a:extLst>
+          </p:cNvPr>
+          <p:cNvPicPr>
+            <a:picLocks noChangeAspect="1" noChangeArrowheads="1"/>
+          </p:cNvPicPr>
+          <p:nvPr/>
+        </p:nvPicPr>
+        <p:blipFill>
+          <a:blip r:embed="rId2">
+            <a:extLst>
+              <a:ext uri="{28A0092B-C50C-407E-A947-70E740481C1C}">
+                <a14:useLocalDpi xmlns:a14="http://schemas.microsoft.com/office/drawing/2010/main" val="0"/>
+              </a:ext>
+            </a:extLst>
+          </a:blip>
+          <a:srcRect/>
+          <a:stretch>
+            <a:fillRect/>
+          </a:stretch>
+        </p:blipFill>
+        <p:spPr bwMode="auto">
+          <a:xfrm>
+            <a:off x="6605952" y="2168965"/>
+            <a:ext cx="4747848" cy="4142935"/>
+          </a:xfrm>
+          <a:prstGeom prst="rect">
+            <a:avLst/>
+          </a:prstGeom>
+          <a:noFill/>
+          <a:extLst>
+            <a:ext uri="{909E8E84-426E-40DD-AFC4-6F175D3DCCD1}">
+              <a14:hiddenFill xmlns:a14="http://schemas.microsoft.com/office/drawing/2010/main">
+                <a:solidFill>
+                  <a:srgbClr val="FFFFFF"/>
+                </a:solidFill>
+              </a14:hiddenFill>
+            </a:ext>
+          </a:extLst>
+        </p:spPr>
+      </p:pic>
+    </p:spTree>
+    <p:extLst>
+      <p:ext uri="{BB962C8B-B14F-4D97-AF65-F5344CB8AC3E}">
+        <p14:creationId xmlns:p14="http://schemas.microsoft.com/office/powerpoint/2010/main" val="973627985"/>
+      </p:ext>
+    </p:extLst>
+  </p:cSld>
+  <p:clrMapOvr>
+    <a:masterClrMapping/>
+  </p:clrMapOvr>
+</p:sld>
+</file>
+
+<file path=ppt/slides/slide4.xml><?xml version="1.0" encoding="utf-8"?>
+<p:sld xmlns:a="http://schemas.openxmlformats.org/drawingml/2006/main" xmlns:r="http://schemas.openxmlformats.org/officeDocument/2006/relationships" xmlns:p="http://schemas.openxmlformats.org/presentationml/2006/main">
+  <p:cSld>
+    <p:spTree>
+      <p:nvGrpSpPr>
+        <p:cNvPr id="1" name=""/>
+        <p:cNvGrpSpPr/>
+        <p:nvPr/>
+      </p:nvGrpSpPr>
+      <p:grpSpPr>
+        <a:xfrm>
+          <a:off x="0" y="0"/>
+          <a:ext cx="0" cy="0"/>
+          <a:chOff x="0" y="0"/>
+          <a:chExt cx="0" cy="0"/>
+        </a:xfrm>
+      </p:grpSpPr>
       <p:graphicFrame>
         <p:nvGraphicFramePr>
           <p:cNvPr id="5" name="Espaço Reservado para Conteúdo 4">
@@ -12385,111 +13848,6 @@
           </a:p>
         </p:txBody>
       </p:sp>
-      <p:sp>
-        <p:nvSpPr>
-          <p:cNvPr id="3" name="Balão de Fala: Retângulo com Cantos Arredondados 2">
-            <a:extLst>
-              <a:ext uri="{FF2B5EF4-FFF2-40B4-BE49-F238E27FC236}">
-                <a16:creationId xmlns:a16="http://schemas.microsoft.com/office/drawing/2014/main" id="{4EB66BB6-FAED-496F-AC79-0EBAF1A2C51A}"/>
-              </a:ext>
-            </a:extLst>
-          </p:cNvPr>
-          <p:cNvSpPr/>
-          <p:nvPr/>
-        </p:nvSpPr>
-        <p:spPr>
-          <a:xfrm>
-            <a:off x="4294433" y="365125"/>
-            <a:ext cx="7659028" cy="1887142"/>
-          </a:xfrm>
-          <a:prstGeom prst="wedgeRoundRectCallout">
-            <a:avLst/>
-          </a:prstGeom>
-        </p:spPr>
-        <p:style>
-          <a:lnRef idx="2">
-            <a:schemeClr val="accent1">
-              <a:shade val="50000"/>
-            </a:schemeClr>
-          </a:lnRef>
-          <a:fillRef idx="1">
-            <a:schemeClr val="accent1"/>
-          </a:fillRef>
-          <a:effectRef idx="0">
-            <a:schemeClr val="accent1"/>
-          </a:effectRef>
-          <a:fontRef idx="minor">
-            <a:schemeClr val="lt1"/>
-          </a:fontRef>
-        </p:style>
-        <p:txBody>
-          <a:bodyPr rtlCol="0" anchor="ctr"/>
-          <a:lstStyle/>
-          <a:p>
-            <a:pPr algn="ctr"/>
-            <a:r>
-              <a:rPr lang="pt-BR" dirty="0"/>
-              <a:t>Quando estamos reunidos o nosso P.O. pede e agente sempre questiona, a gente começa a fazer perguntas “mas se isso, e por que, E se?, me da um exemplo de como isso funciona”</a:t>
-            </a:r>
-          </a:p>
-          <a:p>
-            <a:pPr algn="ctr"/>
-            <a:r>
-              <a:rPr lang="pt-BR" dirty="0"/>
-              <a:t>Mas só isso não é suficiente. Qual é o segundo comportamento que a gente tem que colocar aqui para trazer valor?</a:t>
-            </a:r>
-          </a:p>
-        </p:txBody>
-      </p:sp>
-      <p:sp>
-        <p:nvSpPr>
-          <p:cNvPr id="4" name="Balão de Fala: Retângulo com Cantos Arredondados 3">
-            <a:extLst>
-              <a:ext uri="{FF2B5EF4-FFF2-40B4-BE49-F238E27FC236}">
-                <a16:creationId xmlns:a16="http://schemas.microsoft.com/office/drawing/2014/main" id="{465B6FAB-8362-4DFE-9EEC-477FAC0DCD80}"/>
-              </a:ext>
-            </a:extLst>
-          </p:cNvPr>
-          <p:cNvSpPr/>
-          <p:nvPr/>
-        </p:nvSpPr>
-        <p:spPr>
-          <a:xfrm>
-            <a:off x="838199" y="4767387"/>
-            <a:ext cx="7518914" cy="1275097"/>
-          </a:xfrm>
-          <a:prstGeom prst="wedgeRoundRectCallout">
-            <a:avLst/>
-          </a:prstGeom>
-        </p:spPr>
-        <p:style>
-          <a:lnRef idx="2">
-            <a:schemeClr val="accent1">
-              <a:shade val="50000"/>
-            </a:schemeClr>
-          </a:lnRef>
-          <a:fillRef idx="1">
-            <a:schemeClr val="accent1"/>
-          </a:fillRef>
-          <a:effectRef idx="0">
-            <a:schemeClr val="accent1"/>
-          </a:effectRef>
-          <a:fontRef idx="minor">
-            <a:schemeClr val="lt1"/>
-          </a:fontRef>
-        </p:style>
-        <p:txBody>
-          <a:bodyPr rtlCol="0" anchor="ctr"/>
-          <a:lstStyle/>
-          <a:p>
-            <a:pPr algn="ctr"/>
-            <a:r>
-              <a:rPr lang="pt-BR" dirty="0"/>
-              <a:t>SUGERI!!!Se colocar no papel do cliente, entender como aquilo seria se eu fosse usuário</a:t>
-            </a:r>
-          </a:p>
-        </p:txBody>
-      </p:sp>
     </p:spTree>
     <p:extLst>
       <p:ext uri="{BB962C8B-B14F-4D97-AF65-F5344CB8AC3E}">
@@ -12503,7 +13861,7 @@
 </p:sld>
 </file>
 
-<file path=ppt/slides/slide11.xml><?xml version="1.0" encoding="utf-8"?>
+<file path=ppt/slides/slide5.xml><?xml version="1.0" encoding="utf-8"?>
 <p:sld xmlns:a="http://schemas.openxmlformats.org/drawingml/2006/main" xmlns:r="http://schemas.openxmlformats.org/officeDocument/2006/relationships" xmlns:p="http://schemas.openxmlformats.org/presentationml/2006/main">
   <p:cSld>
     <p:spTree>
@@ -12558,31 +13916,6 @@
           </a:p>
         </p:txBody>
       </p:sp>
-      <p:sp>
-        <p:nvSpPr>
-          <p:cNvPr id="3" name="Espaço Reservado para Conteúdo 2">
-            <a:extLst>
-              <a:ext uri="{FF2B5EF4-FFF2-40B4-BE49-F238E27FC236}">
-                <a16:creationId xmlns:a16="http://schemas.microsoft.com/office/drawing/2014/main" id="{D601108F-D0B2-4CDC-8E57-DB7B301B849A}"/>
-              </a:ext>
-            </a:extLst>
-          </p:cNvPr>
-          <p:cNvSpPr>
-            <a:spLocks noGrp="1"/>
-          </p:cNvSpPr>
-          <p:nvPr>
-            <p:ph idx="1"/>
-          </p:nvPr>
-        </p:nvSpPr>
-        <p:spPr/>
-        <p:txBody>
-          <a:bodyPr/>
-          <a:lstStyle/>
-          <a:p>
-            <a:endParaRPr lang="pt-BR"/>
-          </a:p>
-        </p:txBody>
-      </p:sp>
     </p:spTree>
     <p:extLst>
       <p:ext uri="{BB962C8B-B14F-4D97-AF65-F5344CB8AC3E}">
@@ -12596,7 +13929,7 @@
 </p:sld>
 </file>
 
-<file path=ppt/slides/slide12.xml><?xml version="1.0" encoding="utf-8"?>
+<file path=ppt/slides/slide6.xml><?xml version="1.0" encoding="utf-8"?>
 <p:sld xmlns:a="http://schemas.openxmlformats.org/drawingml/2006/main" xmlns:r="http://schemas.openxmlformats.org/officeDocument/2006/relationships" xmlns:p="http://schemas.openxmlformats.org/presentationml/2006/main">
   <p:cSld>
     <p:spTree>
@@ -12646,69 +13979,6 @@
       </p:graphicFrame>
       <p:sp>
         <p:nvSpPr>
-          <p:cNvPr id="7" name="Balão de Fala: Retângulo com Cantos Arredondados 6">
-            <a:extLst>
-              <a:ext uri="{FF2B5EF4-FFF2-40B4-BE49-F238E27FC236}">
-                <a16:creationId xmlns:a16="http://schemas.microsoft.com/office/drawing/2014/main" id="{F88D004A-0FB5-479B-9734-9E61E700E848}"/>
-              </a:ext>
-            </a:extLst>
-          </p:cNvPr>
-          <p:cNvSpPr/>
-          <p:nvPr/>
-        </p:nvSpPr>
-        <p:spPr>
-          <a:xfrm>
-            <a:off x="1541535" y="4403187"/>
-            <a:ext cx="4929604" cy="1532971"/>
-          </a:xfrm>
-          <a:prstGeom prst="wedgeRoundRectCallout">
-            <a:avLst>
-              <a:gd name="adj1" fmla="val -20833"/>
-              <a:gd name="adj2" fmla="val -64139"/>
-              <a:gd name="adj3" fmla="val 16667"/>
-            </a:avLst>
-          </a:prstGeom>
-        </p:spPr>
-        <p:style>
-          <a:lnRef idx="2">
-            <a:schemeClr val="accent1">
-              <a:shade val="50000"/>
-            </a:schemeClr>
-          </a:lnRef>
-          <a:fillRef idx="1">
-            <a:schemeClr val="accent1"/>
-          </a:fillRef>
-          <a:effectRef idx="0">
-            <a:schemeClr val="accent1"/>
-          </a:effectRef>
-          <a:fontRef idx="minor">
-            <a:schemeClr val="lt1"/>
-          </a:fontRef>
-        </p:style>
-        <p:txBody>
-          <a:bodyPr vert="horz" rtlCol="0" anchor="ctr">
-            <a:noAutofit/>
-          </a:bodyPr>
-          <a:lstStyle/>
-          <a:p>
-            <a:r>
-              <a:rPr lang="pt-BR" dirty="0"/>
-              <a:t>Geralmente, de uma dúvida temos uma ou mais regras</a:t>
-            </a:r>
-          </a:p>
-          <a:p>
-            <a:endParaRPr lang="pt-BR" dirty="0"/>
-          </a:p>
-          <a:p>
-            <a:r>
-              <a:rPr lang="pt-BR" dirty="0"/>
-              <a:t>Cada regra é um critério de Aceite</a:t>
-            </a:r>
-          </a:p>
-        </p:txBody>
-      </p:sp>
-      <p:sp>
-        <p:nvSpPr>
           <p:cNvPr id="8" name="Retângulo 7">
             <a:extLst>
               <a:ext uri="{FF2B5EF4-FFF2-40B4-BE49-F238E27FC236}">
@@ -12823,174 +14093,51 @@
           </a:p>
         </p:txBody>
       </p:sp>
-      <p:sp>
-        <p:nvSpPr>
-          <p:cNvPr id="3" name="Balão de Fala: Retângulo com Cantos Arredondados 2">
+      <p:pic>
+        <p:nvPicPr>
+          <p:cNvPr id="4098" name="Picture 2" descr="Quebra-cabeça, homem. Pessoas, quebra-cabeça, dois pedaços, mãos ...">
             <a:extLst>
               <a:ext uri="{FF2B5EF4-FFF2-40B4-BE49-F238E27FC236}">
-                <a16:creationId xmlns:a16="http://schemas.microsoft.com/office/drawing/2014/main" id="{9F8806CF-FBAB-4651-98DA-38CDF815C9F1}"/>
+                <a16:creationId xmlns:a16="http://schemas.microsoft.com/office/drawing/2014/main" id="{BCAF261D-3B33-4263-93EE-5DC510A7EA1C}"/>
               </a:ext>
             </a:extLst>
           </p:cNvPr>
-          <p:cNvSpPr/>
+          <p:cNvPicPr>
+            <a:picLocks noChangeAspect="1" noChangeArrowheads="1"/>
+          </p:cNvPicPr>
           <p:nvPr/>
-        </p:nvSpPr>
-        <p:spPr>
-          <a:xfrm>
-            <a:off x="2385317" y="2454813"/>
-            <a:ext cx="5654749" cy="1701210"/>
-          </a:xfrm>
-          <a:prstGeom prst="wedgeRoundRectCallout">
-            <a:avLst>
-              <a:gd name="adj1" fmla="val -24348"/>
-              <a:gd name="adj2" fmla="val -62138"/>
-              <a:gd name="adj3" fmla="val 16667"/>
-            </a:avLst>
-          </a:prstGeom>
-        </p:spPr>
-        <p:style>
-          <a:lnRef idx="2">
-            <a:schemeClr val="accent1">
-              <a:shade val="50000"/>
-            </a:schemeClr>
-          </a:lnRef>
-          <a:fillRef idx="1">
-            <a:schemeClr val="accent1"/>
-          </a:fillRef>
-          <a:effectRef idx="0">
-            <a:schemeClr val="accent1"/>
-          </a:effectRef>
-          <a:fontRef idx="minor">
-            <a:schemeClr val="lt1"/>
-          </a:fontRef>
-        </p:style>
-        <p:txBody>
-          <a:bodyPr rtlCol="0" anchor="ctr"/>
-          <a:lstStyle/>
-          <a:p>
-            <a:pPr algn="ctr"/>
-            <a:r>
-              <a:rPr lang="pt-BR" dirty="0"/>
-              <a:t>O </a:t>
-            </a:r>
-            <a:r>
-              <a:rPr lang="pt-BR" dirty="0" err="1"/>
-              <a:t>Product</a:t>
-            </a:r>
-            <a:r>
-              <a:rPr lang="pt-BR" dirty="0"/>
-              <a:t> </a:t>
-            </a:r>
-            <a:r>
-              <a:rPr lang="pt-BR" dirty="0" err="1"/>
-              <a:t>Owner</a:t>
-            </a:r>
-            <a:r>
-              <a:rPr lang="pt-BR" dirty="0"/>
-              <a:t> escreve as User Stories em post-its </a:t>
-            </a:r>
-          </a:p>
-          <a:p>
-            <a:pPr algn="ctr"/>
-            <a:endParaRPr lang="pt-BR" dirty="0"/>
-          </a:p>
-          <a:p>
-            <a:pPr algn="ctr"/>
-            <a:r>
-              <a:rPr lang="pt-BR" dirty="0"/>
-              <a:t>Explica a sua necessidade</a:t>
-            </a:r>
-          </a:p>
-          <a:p>
-            <a:pPr algn="ctr"/>
-            <a:endParaRPr lang="pt-BR" dirty="0"/>
-          </a:p>
-          <a:p>
-            <a:pPr algn="ctr"/>
-            <a:r>
-              <a:rPr lang="pt-BR" dirty="0"/>
-              <a:t>Ajuda o time entender a sua necessidade/problema</a:t>
-            </a:r>
-          </a:p>
-        </p:txBody>
-      </p:sp>
-      <p:sp>
-        <p:nvSpPr>
-          <p:cNvPr id="4" name="Balão de Fala: Retângulo 3">
+        </p:nvPicPr>
+        <p:blipFill rotWithShape="1">
+          <a:blip r:embed="rId7">
             <a:extLst>
-              <a:ext uri="{FF2B5EF4-FFF2-40B4-BE49-F238E27FC236}">
-                <a16:creationId xmlns:a16="http://schemas.microsoft.com/office/drawing/2014/main" id="{DCE351FE-BCD8-420F-94E4-DF7D6E04C320}"/>
+              <a:ext uri="{28A0092B-C50C-407E-A947-70E740481C1C}">
+                <a14:useLocalDpi xmlns:a14="http://schemas.microsoft.com/office/drawing/2010/main" val="0"/>
               </a:ext>
             </a:extLst>
-          </p:cNvPr>
-          <p:cNvSpPr/>
-          <p:nvPr/>
-        </p:nvSpPr>
-        <p:spPr>
+          </a:blip>
+          <a:srcRect t="7427" b="7427"/>
+          <a:stretch/>
+        </p:blipFill>
+        <p:spPr bwMode="auto">
           <a:xfrm>
-            <a:off x="5870713" y="278296"/>
-            <a:ext cx="5711687" cy="1532971"/>
+            <a:off x="9959110" y="255878"/>
+            <a:ext cx="1788125" cy="1314304"/>
           </a:xfrm>
-          <a:prstGeom prst="wedgeRectCallout">
-            <a:avLst>
-              <a:gd name="adj1" fmla="val 20698"/>
-              <a:gd name="adj2" fmla="val 64229"/>
-            </a:avLst>
+          <a:prstGeom prst="rect">
+            <a:avLst/>
           </a:prstGeom>
+          <a:noFill/>
+          <a:extLst>
+            <a:ext uri="{909E8E84-426E-40DD-AFC4-6F175D3DCCD1}">
+              <a14:hiddenFill xmlns:a14="http://schemas.microsoft.com/office/drawing/2010/main">
+                <a:solidFill>
+                  <a:srgbClr val="FFFFFF"/>
+                </a:solidFill>
+              </a14:hiddenFill>
+            </a:ext>
+          </a:extLst>
         </p:spPr>
-        <p:style>
-          <a:lnRef idx="2">
-            <a:schemeClr val="accent1">
-              <a:shade val="50000"/>
-            </a:schemeClr>
-          </a:lnRef>
-          <a:fillRef idx="1">
-            <a:schemeClr val="accent1"/>
-          </a:fillRef>
-          <a:effectRef idx="0">
-            <a:schemeClr val="accent1"/>
-          </a:effectRef>
-          <a:fontRef idx="minor">
-            <a:schemeClr val="lt1"/>
-          </a:fontRef>
-        </p:style>
-        <p:txBody>
-          <a:bodyPr rtlCol="0" anchor="ctr"/>
-          <a:lstStyle/>
-          <a:p>
-            <a:pPr algn="ctr"/>
-            <a:r>
-              <a:rPr lang="pt-BR" dirty="0"/>
-              <a:t>O time escreve em post-its as dúvidas</a:t>
-            </a:r>
-          </a:p>
-          <a:p>
-            <a:pPr algn="ctr"/>
-            <a:r>
-              <a:rPr lang="pt-BR" dirty="0"/>
-              <a:t>Depois agrupas essas dúvidas</a:t>
-            </a:r>
-          </a:p>
-          <a:p>
-            <a:pPr algn="ctr"/>
-            <a:r>
-              <a:rPr lang="pt-BR" dirty="0"/>
-              <a:t>E de forma ordenada questionam o PO</a:t>
-            </a:r>
-          </a:p>
-          <a:p>
-            <a:pPr algn="ctr"/>
-            <a:r>
-              <a:rPr lang="pt-BR" dirty="0"/>
-              <a:t> </a:t>
-            </a:r>
-          </a:p>
-          <a:p>
-            <a:pPr algn="ctr"/>
-            <a:endParaRPr lang="pt-BR" dirty="0"/>
-          </a:p>
-        </p:txBody>
-      </p:sp>
+      </p:pic>
     </p:spTree>
     <p:extLst>
       <p:ext uri="{BB962C8B-B14F-4D97-AF65-F5344CB8AC3E}">
@@ -13100,51 +14247,6 @@
                       </p:childTnLst>
                     </p:cTn>
                   </p:par>
-                  <p:par>
-                    <p:cTn id="11" fill="hold">
-                      <p:stCondLst>
-                        <p:cond delay="indefinite"/>
-                      </p:stCondLst>
-                      <p:childTnLst>
-                        <p:par>
-                          <p:cTn id="12" fill="hold">
-                            <p:stCondLst>
-                              <p:cond delay="0"/>
-                            </p:stCondLst>
-                            <p:childTnLst>
-                              <p:par>
-                                <p:cTn id="13" presetID="1" presetClass="exit" presetSubtype="0" fill="hold" grpId="0" nodeType="clickEffect">
-                                  <p:stCondLst>
-                                    <p:cond delay="0"/>
-                                  </p:stCondLst>
-                                  <p:childTnLst>
-                                    <p:set>
-                                      <p:cBhvr>
-                                        <p:cTn id="14" dur="1" fill="hold">
-                                          <p:stCondLst>
-                                            <p:cond delay="0"/>
-                                          </p:stCondLst>
-                                        </p:cTn>
-                                        <p:tgtEl>
-                                          <p:spTgt spid="4"/>
-                                        </p:tgtEl>
-                                        <p:attrNameLst>
-                                          <p:attrName>style.visibility</p:attrName>
-                                        </p:attrNameLst>
-                                      </p:cBhvr>
-                                      <p:to>
-                                        <p:strVal val="hidden"/>
-                                      </p:to>
-                                    </p:set>
-                                  </p:childTnLst>
-                                </p:cTn>
-                              </p:par>
-                            </p:childTnLst>
-                          </p:cTn>
-                        </p:par>
-                      </p:childTnLst>
-                    </p:cTn>
-                  </p:par>
                 </p:childTnLst>
               </p:cTn>
               <p:prevCondLst>
@@ -13169,13 +14271,12 @@
     <p:bldLst>
       <p:bldP spid="8" grpId="0" animBg="1"/>
       <p:bldP spid="9" grpId="0" animBg="1"/>
-      <p:bldP spid="4" grpId="0" animBg="1"/>
     </p:bldLst>
   </p:timing>
 </p:sld>
 </file>
 
-<file path=ppt/slides/slide13.xml><?xml version="1.0" encoding="utf-8"?>
+<file path=ppt/slides/slide7.xml><?xml version="1.0" encoding="utf-8"?>
 <p:sld xmlns:a="http://schemas.openxmlformats.org/drawingml/2006/main" xmlns:r="http://schemas.openxmlformats.org/officeDocument/2006/relationships" xmlns:p="http://schemas.openxmlformats.org/presentationml/2006/main">
   <p:cSld>
     <p:spTree>
@@ -13208,7 +14309,7 @@
             <p:ph idx="1"/>
             <p:extLst>
               <p:ext uri="{D42A27DB-BD31-4B8C-83A1-F6EECF244321}">
-                <p14:modId xmlns:p14="http://schemas.microsoft.com/office/powerpoint/2010/main" val="659727397"/>
+                <p14:modId xmlns:p14="http://schemas.microsoft.com/office/powerpoint/2010/main" val="3543162707"/>
               </p:ext>
             </p:extLst>
           </p:nvPr>
@@ -13223,1232 +14324,12 @@
           </a:graphicData>
         </a:graphic>
       </p:graphicFrame>
-    </p:spTree>
-    <p:extLst>
-      <p:ext uri="{BB962C8B-B14F-4D97-AF65-F5344CB8AC3E}">
-        <p14:creationId xmlns:p14="http://schemas.microsoft.com/office/powerpoint/2010/main" val="1054497302"/>
-      </p:ext>
-    </p:extLst>
-  </p:cSld>
-  <p:clrMapOvr>
-    <a:masterClrMapping/>
-  </p:clrMapOvr>
-</p:sld>
-</file>
-
-<file path=ppt/slides/slide14.xml><?xml version="1.0" encoding="utf-8"?>
-<p:sld xmlns:a="http://schemas.openxmlformats.org/drawingml/2006/main" xmlns:r="http://schemas.openxmlformats.org/officeDocument/2006/relationships" xmlns:p="http://schemas.openxmlformats.org/presentationml/2006/main">
-  <p:cSld>
-    <p:spTree>
-      <p:nvGrpSpPr>
-        <p:cNvPr id="1" name=""/>
-        <p:cNvGrpSpPr/>
-        <p:nvPr/>
-      </p:nvGrpSpPr>
-      <p:grpSpPr>
-        <a:xfrm>
-          <a:off x="0" y="0"/>
-          <a:ext cx="0" cy="0"/>
-          <a:chOff x="0" y="0"/>
-          <a:chExt cx="0" cy="0"/>
-        </a:xfrm>
-      </p:grpSpPr>
-      <p:sp>
-        <p:nvSpPr>
-          <p:cNvPr id="2" name="Título 1">
+      <p:pic>
+        <p:nvPicPr>
+          <p:cNvPr id="3" name="Picture 4" descr="3d Männchen Puzzlebau | Trabalho em equipe, Imagens 3d e Trabalho tcc">
             <a:extLst>
               <a:ext uri="{FF2B5EF4-FFF2-40B4-BE49-F238E27FC236}">
-                <a16:creationId xmlns:a16="http://schemas.microsoft.com/office/drawing/2014/main" id="{ECCFCE69-2ACB-43FF-8BD0-C61325494881}"/>
-              </a:ext>
-            </a:extLst>
-          </p:cNvPr>
-          <p:cNvSpPr>
-            <a:spLocks noGrp="1"/>
-          </p:cNvSpPr>
-          <p:nvPr>
-            <p:ph type="title"/>
-          </p:nvPr>
-        </p:nvSpPr>
-        <p:spPr/>
-        <p:txBody>
-          <a:bodyPr/>
-          <a:lstStyle/>
-          <a:p>
-            <a:r>
-              <a:rPr lang="pt-BR" dirty="0"/>
-              <a:t>BDD de maneira errada!</a:t>
-            </a:r>
-          </a:p>
-        </p:txBody>
-      </p:sp>
-      <p:sp>
-        <p:nvSpPr>
-          <p:cNvPr id="3" name="Espaço Reservado para Conteúdo 2">
-            <a:extLst>
-              <a:ext uri="{FF2B5EF4-FFF2-40B4-BE49-F238E27FC236}">
-                <a16:creationId xmlns:a16="http://schemas.microsoft.com/office/drawing/2014/main" id="{3DB03518-8E0E-4961-AB12-E92E27146C3F}"/>
-              </a:ext>
-            </a:extLst>
-          </p:cNvPr>
-          <p:cNvSpPr>
-            <a:spLocks noGrp="1"/>
-          </p:cNvSpPr>
-          <p:nvPr>
-            <p:ph idx="1"/>
-          </p:nvPr>
-        </p:nvSpPr>
-        <p:spPr>
-          <a:xfrm>
-            <a:off x="838200" y="1439718"/>
-            <a:ext cx="10515600" cy="501939"/>
-          </a:xfrm>
-        </p:spPr>
-        <p:txBody>
-          <a:bodyPr/>
-          <a:lstStyle/>
-          <a:p>
-            <a:r>
-              <a:rPr lang="pt-BR" b="1" dirty="0"/>
-              <a:t>Escrever features muito técnicas</a:t>
-            </a:r>
-          </a:p>
-          <a:p>
-            <a:pPr marL="0" indent="0">
-              <a:buNone/>
-            </a:pPr>
-            <a:endParaRPr lang="pt-BR" b="1" dirty="0">
-              <a:effectLst/>
-            </a:endParaRPr>
-          </a:p>
-          <a:p>
-            <a:endParaRPr lang="pt-BR" b="0" dirty="0">
-              <a:effectLst/>
-            </a:endParaRPr>
-          </a:p>
-        </p:txBody>
-      </p:sp>
-      <p:sp>
-        <p:nvSpPr>
-          <p:cNvPr id="4" name="Retângulo 3">
-            <a:extLst>
-              <a:ext uri="{FF2B5EF4-FFF2-40B4-BE49-F238E27FC236}">
-                <a16:creationId xmlns:a16="http://schemas.microsoft.com/office/drawing/2014/main" id="{C194D2B2-8EF3-467A-A135-E54D3D16E0A8}"/>
-              </a:ext>
-            </a:extLst>
-          </p:cNvPr>
-          <p:cNvSpPr/>
-          <p:nvPr/>
-        </p:nvSpPr>
-        <p:spPr>
-          <a:xfrm>
-            <a:off x="838200" y="2133599"/>
-            <a:ext cx="10515600" cy="4230255"/>
-          </a:xfrm>
-          <a:prstGeom prst="rect">
-            <a:avLst/>
-          </a:prstGeom>
-          <a:solidFill>
-            <a:schemeClr val="tx1"/>
-          </a:solidFill>
-        </p:spPr>
-        <p:style>
-          <a:lnRef idx="2">
-            <a:schemeClr val="accent1">
-              <a:shade val="50000"/>
-            </a:schemeClr>
-          </a:lnRef>
-          <a:fillRef idx="1">
-            <a:schemeClr val="accent1"/>
-          </a:fillRef>
-          <a:effectRef idx="0">
-            <a:schemeClr val="accent1"/>
-          </a:effectRef>
-          <a:fontRef idx="minor">
-            <a:schemeClr val="lt1"/>
-          </a:fontRef>
-        </p:style>
-        <p:txBody>
-          <a:bodyPr rtlCol="0" anchor="ctr"/>
-          <a:lstStyle/>
-          <a:p>
-            <a:r>
-              <a:rPr lang="pt-BR" i="1" dirty="0"/>
-              <a:t># EXEMPLO RUIM! Não faça isso!</a:t>
-            </a:r>
-            <a:endParaRPr lang="pt-BR" dirty="0"/>
-          </a:p>
-          <a:p>
-            <a:br>
-              <a:rPr lang="pt-BR" dirty="0"/>
-            </a:br>
-            <a:r>
-              <a:rPr lang="pt-BR" dirty="0" err="1"/>
-              <a:t>language</a:t>
-            </a:r>
-            <a:r>
-              <a:rPr lang="pt-BR" dirty="0"/>
-              <a:t>: </a:t>
-            </a:r>
-            <a:r>
-              <a:rPr lang="pt-BR" dirty="0" err="1"/>
-              <a:t>pt</a:t>
-            </a:r>
-            <a:endParaRPr lang="pt-BR" dirty="0"/>
-          </a:p>
-          <a:p>
-            <a:br>
-              <a:rPr lang="pt-BR" dirty="0"/>
-            </a:br>
-            <a:r>
-              <a:rPr lang="pt-BR" dirty="0">
-                <a:solidFill>
-                  <a:srgbClr val="9966FF"/>
-                </a:solidFill>
-              </a:rPr>
-              <a:t>Funcionalidade</a:t>
-            </a:r>
-            <a:r>
-              <a:rPr lang="pt-BR" dirty="0"/>
-              <a:t>: </a:t>
-            </a:r>
-            <a:r>
-              <a:rPr lang="pt-BR" dirty="0">
-                <a:solidFill>
-                  <a:schemeClr val="accent6">
-                    <a:lumMod val="60000"/>
-                    <a:lumOff val="40000"/>
-                  </a:schemeClr>
-                </a:solidFill>
-              </a:rPr>
-              <a:t>Compra de produtos</a:t>
-            </a:r>
-          </a:p>
-          <a:p>
-            <a:br>
-              <a:rPr lang="pt-BR" dirty="0">
-                <a:solidFill>
-                  <a:schemeClr val="accent6">
-                    <a:lumMod val="60000"/>
-                    <a:lumOff val="40000"/>
-                  </a:schemeClr>
-                </a:solidFill>
-              </a:rPr>
-            </a:br>
-            <a:r>
-              <a:rPr lang="pt-BR" dirty="0" err="1">
-                <a:solidFill>
-                  <a:srgbClr val="9966FF"/>
-                </a:solidFill>
-              </a:rPr>
-              <a:t>Cenario</a:t>
-            </a:r>
-            <a:r>
-              <a:rPr lang="pt-BR" dirty="0"/>
-              <a:t>: </a:t>
-            </a:r>
-            <a:r>
-              <a:rPr lang="pt-BR" dirty="0">
-                <a:solidFill>
-                  <a:schemeClr val="accent6">
-                    <a:lumMod val="60000"/>
-                    <a:lumOff val="40000"/>
-                  </a:schemeClr>
-                </a:solidFill>
-              </a:rPr>
-              <a:t>Compra de um produto com frete grátis em região específica</a:t>
-            </a:r>
-          </a:p>
-          <a:p>
-            <a:br>
-              <a:rPr lang="pt-BR" dirty="0">
-                <a:solidFill>
-                  <a:schemeClr val="accent6">
-                    <a:lumMod val="60000"/>
-                    <a:lumOff val="40000"/>
-                  </a:schemeClr>
-                </a:solidFill>
-              </a:rPr>
-            </a:br>
-            <a:r>
-              <a:rPr lang="pt-BR" dirty="0"/>
-              <a:t>    </a:t>
-            </a:r>
-            <a:r>
-              <a:rPr lang="pt-BR" dirty="0">
-                <a:solidFill>
-                  <a:srgbClr val="9966FF"/>
-                </a:solidFill>
-              </a:rPr>
-              <a:t>Dado</a:t>
-            </a:r>
-            <a:r>
-              <a:rPr lang="pt-BR" dirty="0"/>
-              <a:t> que eu sou um cliente da região Sul</a:t>
-            </a:r>
-          </a:p>
-          <a:p>
-            <a:r>
-              <a:rPr lang="pt-BR" dirty="0"/>
-              <a:t>    </a:t>
-            </a:r>
-            <a:r>
-              <a:rPr lang="pt-BR" dirty="0">
-                <a:solidFill>
-                  <a:srgbClr val="9966FF"/>
-                </a:solidFill>
-              </a:rPr>
-              <a:t>Quando</a:t>
-            </a:r>
-            <a:r>
-              <a:rPr lang="pt-BR" dirty="0"/>
-              <a:t> eu clico no menu</a:t>
-            </a:r>
-            <a:r>
-              <a:rPr lang="pt-BR" dirty="0">
-                <a:solidFill>
-                  <a:schemeClr val="accent6">
-                    <a:lumMod val="60000"/>
-                    <a:lumOff val="40000"/>
-                  </a:schemeClr>
-                </a:solidFill>
-              </a:rPr>
-              <a:t> "eletrônicos"</a:t>
-            </a:r>
-          </a:p>
-          <a:p>
-            <a:r>
-              <a:rPr lang="pt-BR" dirty="0"/>
-              <a:t>        </a:t>
-            </a:r>
-            <a:r>
-              <a:rPr lang="pt-BR" dirty="0">
-                <a:solidFill>
-                  <a:srgbClr val="9966FF"/>
-                </a:solidFill>
-              </a:rPr>
-              <a:t>E</a:t>
-            </a:r>
-            <a:r>
-              <a:rPr lang="pt-BR" dirty="0"/>
-              <a:t> eu clico no item </a:t>
-            </a:r>
-            <a:r>
-              <a:rPr lang="pt-BR" dirty="0">
-                <a:solidFill>
-                  <a:schemeClr val="accent6">
-                    <a:lumMod val="60000"/>
-                    <a:lumOff val="40000"/>
-                  </a:schemeClr>
-                </a:solidFill>
-              </a:rPr>
-              <a:t>"TVs 49" </a:t>
-            </a:r>
-            <a:r>
-              <a:rPr lang="pt-BR" dirty="0"/>
-              <a:t>no canto esquerdo da tela</a:t>
-            </a:r>
-          </a:p>
-          <a:p>
-            <a:r>
-              <a:rPr lang="pt-BR" dirty="0"/>
-              <a:t>        </a:t>
-            </a:r>
-            <a:r>
-              <a:rPr lang="pt-BR" dirty="0">
-                <a:solidFill>
-                  <a:srgbClr val="9966FF"/>
-                </a:solidFill>
-              </a:rPr>
-              <a:t>E</a:t>
-            </a:r>
-            <a:r>
-              <a:rPr lang="pt-BR" dirty="0"/>
-              <a:t> eu clico na </a:t>
-            </a:r>
-            <a:r>
-              <a:rPr lang="pt-BR" dirty="0">
-                <a:solidFill>
-                  <a:schemeClr val="accent6">
-                    <a:lumMod val="60000"/>
-                    <a:lumOff val="40000"/>
-                  </a:schemeClr>
-                </a:solidFill>
-              </a:rPr>
-              <a:t>"TV LG </a:t>
-            </a:r>
-            <a:r>
-              <a:rPr lang="pt-BR" dirty="0" err="1">
-                <a:solidFill>
-                  <a:schemeClr val="accent6">
-                    <a:lumMod val="60000"/>
-                    <a:lumOff val="40000"/>
-                  </a:schemeClr>
-                </a:solidFill>
-              </a:rPr>
-              <a:t>Smart</a:t>
-            </a:r>
-            <a:r>
-              <a:rPr lang="pt-BR" dirty="0">
-                <a:solidFill>
-                  <a:schemeClr val="accent6">
-                    <a:lumMod val="60000"/>
-                    <a:lumOff val="40000"/>
-                  </a:schemeClr>
-                </a:solidFill>
-              </a:rPr>
-              <a:t> 49"</a:t>
-            </a:r>
-          </a:p>
-          <a:p>
-            <a:r>
-              <a:rPr lang="pt-BR" dirty="0"/>
-              <a:t>        </a:t>
-            </a:r>
-            <a:r>
-              <a:rPr lang="pt-BR" dirty="0">
-                <a:solidFill>
-                  <a:srgbClr val="9966FF"/>
-                </a:solidFill>
-              </a:rPr>
-              <a:t>E</a:t>
-            </a:r>
-            <a:r>
-              <a:rPr lang="pt-BR" dirty="0"/>
-              <a:t> eu preencho meu CEP com </a:t>
-            </a:r>
-            <a:r>
-              <a:rPr lang="pt-BR" dirty="0">
-                <a:solidFill>
-                  <a:schemeClr val="accent6">
-                    <a:lumMod val="60000"/>
-                    <a:lumOff val="40000"/>
-                  </a:schemeClr>
-                </a:solidFill>
-              </a:rPr>
-              <a:t>"91010-000"</a:t>
-            </a:r>
-          </a:p>
-          <a:p>
-            <a:r>
-              <a:rPr lang="pt-BR" dirty="0"/>
-              <a:t>        </a:t>
-            </a:r>
-            <a:r>
-              <a:rPr lang="pt-BR" dirty="0">
-                <a:solidFill>
-                  <a:srgbClr val="9966FF"/>
-                </a:solidFill>
-              </a:rPr>
-              <a:t>E</a:t>
-            </a:r>
-            <a:r>
-              <a:rPr lang="pt-BR" dirty="0"/>
-              <a:t> eu clico no botão </a:t>
-            </a:r>
-            <a:r>
-              <a:rPr lang="pt-BR" dirty="0">
-                <a:solidFill>
-                  <a:schemeClr val="accent6">
-                    <a:lumMod val="60000"/>
-                    <a:lumOff val="40000"/>
-                  </a:schemeClr>
-                </a:solidFill>
-              </a:rPr>
-              <a:t>"Calcular frete"</a:t>
-            </a:r>
-          </a:p>
-          <a:p>
-            <a:r>
-              <a:rPr lang="pt-BR" dirty="0"/>
-              <a:t>    </a:t>
-            </a:r>
-            <a:r>
-              <a:rPr lang="pt-BR" dirty="0">
-                <a:solidFill>
-                  <a:srgbClr val="9966FF"/>
-                </a:solidFill>
-              </a:rPr>
-              <a:t>Então</a:t>
-            </a:r>
-            <a:r>
-              <a:rPr lang="pt-BR" dirty="0"/>
-              <a:t> eu vejo a mensagem </a:t>
-            </a:r>
-            <a:r>
-              <a:rPr lang="pt-BR" dirty="0">
-                <a:solidFill>
-                  <a:schemeClr val="accent6">
-                    <a:lumMod val="60000"/>
-                    <a:lumOff val="40000"/>
-                  </a:schemeClr>
-                </a:solidFill>
-              </a:rPr>
-              <a:t>"Frete Grátis!" </a:t>
-            </a:r>
-            <a:r>
-              <a:rPr lang="pt-BR" dirty="0"/>
-              <a:t>abaixo do botão</a:t>
-            </a:r>
-          </a:p>
-        </p:txBody>
-      </p:sp>
-      <p:sp>
-        <p:nvSpPr>
-          <p:cNvPr id="5" name="Balão de Fala: Retângulo com Cantos Arredondados 4">
-            <a:extLst>
-              <a:ext uri="{FF2B5EF4-FFF2-40B4-BE49-F238E27FC236}">
-                <a16:creationId xmlns:a16="http://schemas.microsoft.com/office/drawing/2014/main" id="{7AF05781-7D82-465D-B0A8-68444198D6AF}"/>
-              </a:ext>
-            </a:extLst>
-          </p:cNvPr>
-          <p:cNvSpPr/>
-          <p:nvPr/>
-        </p:nvSpPr>
-        <p:spPr>
-          <a:xfrm>
-            <a:off x="4174435" y="365125"/>
-            <a:ext cx="6453808" cy="1576532"/>
-          </a:xfrm>
-          <a:prstGeom prst="wedgeRoundRectCallout">
-            <a:avLst/>
-          </a:prstGeom>
-        </p:spPr>
-        <p:style>
-          <a:lnRef idx="2">
-            <a:schemeClr val="accent1">
-              <a:shade val="50000"/>
-            </a:schemeClr>
-          </a:lnRef>
-          <a:fillRef idx="1">
-            <a:schemeClr val="accent1"/>
-          </a:fillRef>
-          <a:effectRef idx="0">
-            <a:schemeClr val="accent1"/>
-          </a:effectRef>
-          <a:fontRef idx="minor">
-            <a:schemeClr val="lt1"/>
-          </a:fontRef>
-        </p:style>
-        <p:txBody>
-          <a:bodyPr rtlCol="0" anchor="ctr"/>
-          <a:lstStyle/>
-          <a:p>
-            <a:pPr algn="ctr"/>
-            <a:r>
-              <a:rPr lang="pt-BR" dirty="0"/>
-              <a:t>Da para entender perfeitamente</a:t>
-            </a:r>
-          </a:p>
-          <a:p>
-            <a:pPr algn="ctr"/>
-            <a:r>
-              <a:rPr lang="pt-BR" dirty="0"/>
-              <a:t>Vocês conseguem entender o problema disso?</a:t>
-            </a:r>
-          </a:p>
-          <a:p>
-            <a:pPr algn="ctr"/>
-            <a:r>
-              <a:rPr lang="pt-BR" dirty="0"/>
-              <a:t>A gente chama de implementação sobre o que ele tem que ser o comportamento</a:t>
-            </a:r>
-          </a:p>
-        </p:txBody>
-      </p:sp>
-      <p:sp>
-        <p:nvSpPr>
-          <p:cNvPr id="6" name="Balão de Fala: Retângulo 5">
-            <a:extLst>
-              <a:ext uri="{FF2B5EF4-FFF2-40B4-BE49-F238E27FC236}">
-                <a16:creationId xmlns:a16="http://schemas.microsoft.com/office/drawing/2014/main" id="{4BD1D56B-2952-4776-B7C7-2E053B48EA3A}"/>
-              </a:ext>
-            </a:extLst>
-          </p:cNvPr>
-          <p:cNvSpPr/>
-          <p:nvPr/>
-        </p:nvSpPr>
-        <p:spPr>
-          <a:xfrm>
-            <a:off x="5486399" y="2368826"/>
-            <a:ext cx="6016487" cy="2120348"/>
-          </a:xfrm>
-          <a:prstGeom prst="wedgeRectCallout">
-            <a:avLst/>
-          </a:prstGeom>
-        </p:spPr>
-        <p:style>
-          <a:lnRef idx="2">
-            <a:schemeClr val="accent1">
-              <a:shade val="50000"/>
-            </a:schemeClr>
-          </a:lnRef>
-          <a:fillRef idx="1">
-            <a:schemeClr val="accent1"/>
-          </a:fillRef>
-          <a:effectRef idx="0">
-            <a:schemeClr val="accent1"/>
-          </a:effectRef>
-          <a:fontRef idx="minor">
-            <a:schemeClr val="lt1"/>
-          </a:fontRef>
-        </p:style>
-        <p:txBody>
-          <a:bodyPr rtlCol="0" anchor="ctr"/>
-          <a:lstStyle/>
-          <a:p>
-            <a:pPr algn="ctr"/>
-            <a:r>
-              <a:rPr lang="pt-BR" dirty="0"/>
-              <a:t>Aqui eu estou dizendo como ele está sendo implementado e utilizado pelo usuário mas não precisava ter esse tanto de detalhe</a:t>
-            </a:r>
-          </a:p>
-        </p:txBody>
-      </p:sp>
-      <p:sp>
-        <p:nvSpPr>
-          <p:cNvPr id="7" name="Balão de Fala: Retângulo 6">
-            <a:extLst>
-              <a:ext uri="{FF2B5EF4-FFF2-40B4-BE49-F238E27FC236}">
-                <a16:creationId xmlns:a16="http://schemas.microsoft.com/office/drawing/2014/main" id="{949CB9F1-4B45-4775-86B4-5614E86ED473}"/>
-              </a:ext>
-            </a:extLst>
-          </p:cNvPr>
-          <p:cNvSpPr/>
-          <p:nvPr/>
-        </p:nvSpPr>
-        <p:spPr>
-          <a:xfrm>
-            <a:off x="5618922" y="4916344"/>
-            <a:ext cx="5300869" cy="1219413"/>
-          </a:xfrm>
-          <a:prstGeom prst="wedgeRectCallout">
-            <a:avLst/>
-          </a:prstGeom>
-        </p:spPr>
-        <p:style>
-          <a:lnRef idx="2">
-            <a:schemeClr val="accent1">
-              <a:shade val="50000"/>
-            </a:schemeClr>
-          </a:lnRef>
-          <a:fillRef idx="1">
-            <a:schemeClr val="accent1"/>
-          </a:fillRef>
-          <a:effectRef idx="0">
-            <a:schemeClr val="accent1"/>
-          </a:effectRef>
-          <a:fontRef idx="minor">
-            <a:schemeClr val="lt1"/>
-          </a:fontRef>
-        </p:style>
-        <p:txBody>
-          <a:bodyPr rtlCol="0" anchor="ctr"/>
-          <a:lstStyle/>
-          <a:p>
-            <a:pPr algn="ctr"/>
-            <a:r>
-              <a:rPr lang="pt-BR" dirty="0"/>
-              <a:t>Mai pra frente eu estarei mostrando uma maneira mais adequada para estar escrevendo o BDD</a:t>
-            </a:r>
-          </a:p>
-        </p:txBody>
-      </p:sp>
-    </p:spTree>
-    <p:extLst>
-      <p:ext uri="{BB962C8B-B14F-4D97-AF65-F5344CB8AC3E}">
-        <p14:creationId xmlns:p14="http://schemas.microsoft.com/office/powerpoint/2010/main" val="2636141275"/>
-      </p:ext>
-    </p:extLst>
-  </p:cSld>
-  <p:clrMapOvr>
-    <a:masterClrMapping/>
-  </p:clrMapOvr>
-</p:sld>
-</file>
-
-<file path=ppt/slides/slide15.xml><?xml version="1.0" encoding="utf-8"?>
-<p:sld xmlns:a="http://schemas.openxmlformats.org/drawingml/2006/main" xmlns:r="http://schemas.openxmlformats.org/officeDocument/2006/relationships" xmlns:p="http://schemas.openxmlformats.org/presentationml/2006/main">
-  <p:cSld>
-    <p:spTree>
-      <p:nvGrpSpPr>
-        <p:cNvPr id="1" name=""/>
-        <p:cNvGrpSpPr/>
-        <p:nvPr/>
-      </p:nvGrpSpPr>
-      <p:grpSpPr>
-        <a:xfrm>
-          <a:off x="0" y="0"/>
-          <a:ext cx="0" cy="0"/>
-          <a:chOff x="0" y="0"/>
-          <a:chExt cx="0" cy="0"/>
-        </a:xfrm>
-      </p:grpSpPr>
-      <p:sp>
-        <p:nvSpPr>
-          <p:cNvPr id="2" name="Título 1">
-            <a:extLst>
-              <a:ext uri="{FF2B5EF4-FFF2-40B4-BE49-F238E27FC236}">
-                <a16:creationId xmlns:a16="http://schemas.microsoft.com/office/drawing/2014/main" id="{40D2E383-F8FC-449C-9A62-9E22523C92D1}"/>
-              </a:ext>
-            </a:extLst>
-          </p:cNvPr>
-          <p:cNvSpPr>
-            <a:spLocks noGrp="1"/>
-          </p:cNvSpPr>
-          <p:nvPr>
-            <p:ph type="title"/>
-          </p:nvPr>
-        </p:nvSpPr>
-        <p:spPr/>
-        <p:txBody>
-          <a:bodyPr/>
-          <a:lstStyle/>
-          <a:p>
-            <a:r>
-              <a:rPr lang="pt-BR" dirty="0"/>
-              <a:t>Um bom exemplo de BDD</a:t>
-            </a:r>
-          </a:p>
-        </p:txBody>
-      </p:sp>
-      <p:sp>
-        <p:nvSpPr>
-          <p:cNvPr id="3" name="Espaço Reservado para Conteúdo 2">
-            <a:extLst>
-              <a:ext uri="{FF2B5EF4-FFF2-40B4-BE49-F238E27FC236}">
-                <a16:creationId xmlns:a16="http://schemas.microsoft.com/office/drawing/2014/main" id="{BE198444-71F9-4C91-9ED3-B31724318920}"/>
-              </a:ext>
-            </a:extLst>
-          </p:cNvPr>
-          <p:cNvSpPr>
-            <a:spLocks noGrp="1"/>
-          </p:cNvSpPr>
-          <p:nvPr>
-            <p:ph idx="1"/>
-          </p:nvPr>
-        </p:nvSpPr>
-        <p:spPr>
-          <a:solidFill>
-            <a:schemeClr val="tx1"/>
-          </a:solidFill>
-        </p:spPr>
-        <p:txBody>
-          <a:bodyPr>
-            <a:normAutofit fontScale="47500" lnSpcReduction="20000"/>
-          </a:bodyPr>
-          <a:lstStyle/>
-          <a:p>
-            <a:pPr marL="0" indent="0">
-              <a:buNone/>
-            </a:pPr>
-            <a:r>
-              <a:rPr lang="pt-BR" b="1" i="1" dirty="0">
-                <a:solidFill>
-                  <a:schemeClr val="bg1"/>
-                </a:solidFill>
-              </a:rPr>
-              <a:t># EXEMPLO BOM! Faça isso</a:t>
-            </a:r>
-            <a:endParaRPr lang="pt-BR" b="0" dirty="0">
-              <a:solidFill>
-                <a:schemeClr val="bg1"/>
-              </a:solidFill>
-              <a:effectLst/>
-            </a:endParaRPr>
-          </a:p>
-          <a:p>
-            <a:pPr marL="0" indent="0">
-              <a:buNone/>
-            </a:pPr>
-            <a:r>
-              <a:rPr lang="pt-BR" b="1" dirty="0">
-                <a:solidFill>
-                  <a:srgbClr val="9966FF"/>
-                </a:solidFill>
-              </a:rPr>
-              <a:t>Funcionalidade</a:t>
-            </a:r>
-            <a:r>
-              <a:rPr lang="pt-BR" b="1" dirty="0">
-                <a:solidFill>
-                  <a:schemeClr val="bg1"/>
-                </a:solidFill>
-              </a:rPr>
-              <a:t>: </a:t>
-            </a:r>
-            <a:r>
-              <a:rPr lang="pt-BR" b="1" dirty="0">
-                <a:solidFill>
-                  <a:schemeClr val="accent6">
-                    <a:lumMod val="60000"/>
-                    <a:lumOff val="40000"/>
-                  </a:schemeClr>
-                </a:solidFill>
-              </a:rPr>
-              <a:t>Compra de produtos</a:t>
-            </a:r>
-            <a:endParaRPr lang="pt-BR" b="0" dirty="0">
-              <a:solidFill>
-                <a:schemeClr val="accent6">
-                  <a:lumMod val="60000"/>
-                  <a:lumOff val="40000"/>
-                </a:schemeClr>
-              </a:solidFill>
-              <a:effectLst/>
-            </a:endParaRPr>
-          </a:p>
-          <a:p>
-            <a:pPr marL="0" indent="0">
-              <a:buNone/>
-            </a:pPr>
-            <a:r>
-              <a:rPr lang="pt-BR" b="0" dirty="0">
-                <a:solidFill>
-                  <a:schemeClr val="bg1"/>
-                </a:solidFill>
-                <a:effectLst/>
-              </a:rPr>
-              <a:t> </a:t>
-            </a:r>
-          </a:p>
-          <a:p>
-            <a:pPr marL="0" indent="0">
-              <a:buNone/>
-            </a:pPr>
-            <a:r>
-              <a:rPr lang="pt-BR" b="1" dirty="0" err="1">
-                <a:solidFill>
-                  <a:srgbClr val="9966FF"/>
-                </a:solidFill>
-              </a:rPr>
-              <a:t>Cenario</a:t>
-            </a:r>
-            <a:r>
-              <a:rPr lang="pt-BR" b="1" dirty="0">
-                <a:solidFill>
-                  <a:schemeClr val="bg1"/>
-                </a:solidFill>
-              </a:rPr>
-              <a:t>: </a:t>
-            </a:r>
-            <a:r>
-              <a:rPr lang="pt-BR" b="1" dirty="0">
-                <a:solidFill>
-                  <a:schemeClr val="accent6">
-                    <a:lumMod val="60000"/>
-                    <a:lumOff val="40000"/>
-                  </a:schemeClr>
-                </a:solidFill>
-              </a:rPr>
-              <a:t>Compra de um produto com frete grátis em região específica</a:t>
-            </a:r>
-            <a:endParaRPr lang="pt-BR" b="0" dirty="0">
-              <a:solidFill>
-                <a:schemeClr val="accent6">
-                  <a:lumMod val="60000"/>
-                  <a:lumOff val="40000"/>
-                </a:schemeClr>
-              </a:solidFill>
-              <a:effectLst/>
-            </a:endParaRPr>
-          </a:p>
-          <a:p>
-            <a:pPr marL="0" indent="0">
-              <a:buNone/>
-            </a:pPr>
-            <a:r>
-              <a:rPr lang="pt-BR" b="1" dirty="0">
-                <a:solidFill>
-                  <a:schemeClr val="bg1"/>
-                </a:solidFill>
-              </a:rPr>
-              <a:t>    </a:t>
-            </a:r>
-            <a:r>
-              <a:rPr lang="pt-BR" b="1" dirty="0">
-                <a:solidFill>
-                  <a:srgbClr val="9966FF"/>
-                </a:solidFill>
-              </a:rPr>
-              <a:t>Dado</a:t>
-            </a:r>
-            <a:r>
-              <a:rPr lang="pt-BR" b="1" dirty="0">
-                <a:solidFill>
-                  <a:schemeClr val="bg1"/>
-                </a:solidFill>
-              </a:rPr>
-              <a:t> que eu sou um cliente</a:t>
-            </a:r>
-            <a:endParaRPr lang="pt-BR" b="0" dirty="0">
-              <a:solidFill>
-                <a:schemeClr val="bg1"/>
-              </a:solidFill>
-              <a:effectLst/>
-            </a:endParaRPr>
-          </a:p>
-          <a:p>
-            <a:pPr marL="0" indent="0">
-              <a:buNone/>
-            </a:pPr>
-            <a:r>
-              <a:rPr lang="pt-BR" b="1" dirty="0">
-                <a:solidFill>
-                  <a:schemeClr val="bg1"/>
-                </a:solidFill>
-              </a:rPr>
-              <a:t>    </a:t>
-            </a:r>
-            <a:r>
-              <a:rPr lang="pt-BR" b="1" dirty="0">
-                <a:solidFill>
-                  <a:srgbClr val="9966FF"/>
-                </a:solidFill>
-              </a:rPr>
-              <a:t>Quando</a:t>
-            </a:r>
-            <a:r>
-              <a:rPr lang="pt-BR" b="1" dirty="0">
-                <a:solidFill>
-                  <a:schemeClr val="bg1"/>
-                </a:solidFill>
-              </a:rPr>
-              <a:t> eu comprar um produto de qualquer categoria</a:t>
-            </a:r>
-            <a:endParaRPr lang="pt-BR" b="0" dirty="0">
-              <a:solidFill>
-                <a:schemeClr val="bg1"/>
-              </a:solidFill>
-              <a:effectLst/>
-            </a:endParaRPr>
-          </a:p>
-          <a:p>
-            <a:pPr marL="0" indent="0">
-              <a:buNone/>
-            </a:pPr>
-            <a:r>
-              <a:rPr lang="pt-BR" b="1" dirty="0">
-                <a:solidFill>
-                  <a:schemeClr val="bg1"/>
-                </a:solidFill>
-              </a:rPr>
-              <a:t>        </a:t>
-            </a:r>
-            <a:r>
-              <a:rPr lang="pt-BR" b="1" dirty="0">
-                <a:solidFill>
-                  <a:srgbClr val="9966FF"/>
-                </a:solidFill>
-              </a:rPr>
-              <a:t>E</a:t>
-            </a:r>
-            <a:r>
-              <a:rPr lang="pt-BR" b="1" dirty="0">
-                <a:solidFill>
-                  <a:schemeClr val="bg1"/>
-                </a:solidFill>
-              </a:rPr>
-              <a:t> o valor total da compra for igual ou maior a R$ 100</a:t>
-            </a:r>
-            <a:endParaRPr lang="pt-BR" b="0" dirty="0">
-              <a:solidFill>
-                <a:schemeClr val="bg1"/>
-              </a:solidFill>
-              <a:effectLst/>
-            </a:endParaRPr>
-          </a:p>
-          <a:p>
-            <a:pPr marL="0" indent="0">
-              <a:buNone/>
-            </a:pPr>
-            <a:r>
-              <a:rPr lang="pt-BR" b="1" dirty="0">
-                <a:solidFill>
-                  <a:schemeClr val="bg1"/>
-                </a:solidFill>
-              </a:rPr>
-              <a:t>        </a:t>
-            </a:r>
-            <a:r>
-              <a:rPr lang="pt-BR" b="1" dirty="0">
-                <a:solidFill>
-                  <a:srgbClr val="9966FF"/>
-                </a:solidFill>
-              </a:rPr>
-              <a:t>E</a:t>
-            </a:r>
-            <a:r>
-              <a:rPr lang="pt-BR" b="1" dirty="0">
-                <a:solidFill>
-                  <a:schemeClr val="bg1"/>
-                </a:solidFill>
-              </a:rPr>
-              <a:t> meu CEP pertencer a região Sul</a:t>
-            </a:r>
-            <a:endParaRPr lang="pt-BR" b="0" dirty="0">
-              <a:solidFill>
-                <a:schemeClr val="bg1"/>
-              </a:solidFill>
-              <a:effectLst/>
-            </a:endParaRPr>
-          </a:p>
-          <a:p>
-            <a:pPr marL="0" indent="0">
-              <a:buNone/>
-            </a:pPr>
-            <a:r>
-              <a:rPr lang="pt-BR" b="1" dirty="0">
-                <a:solidFill>
-                  <a:schemeClr val="bg1"/>
-                </a:solidFill>
-              </a:rPr>
-              <a:t>    </a:t>
-            </a:r>
-            <a:r>
-              <a:rPr lang="pt-BR" b="1" dirty="0" err="1">
-                <a:solidFill>
-                  <a:srgbClr val="9966FF"/>
-                </a:solidFill>
-              </a:rPr>
-              <a:t>Entao</a:t>
-            </a:r>
-            <a:r>
-              <a:rPr lang="pt-BR" b="1" dirty="0">
-                <a:solidFill>
-                  <a:schemeClr val="bg1"/>
-                </a:solidFill>
-              </a:rPr>
-              <a:t> eu vejo o frete grátis</a:t>
-            </a:r>
-            <a:endParaRPr lang="pt-BR" b="0" dirty="0">
-              <a:solidFill>
-                <a:schemeClr val="bg1"/>
-              </a:solidFill>
-              <a:effectLst/>
-            </a:endParaRPr>
-          </a:p>
-          <a:p>
-            <a:pPr marL="0" indent="0">
-              <a:buNone/>
-            </a:pPr>
-            <a:r>
-              <a:rPr lang="pt-BR" b="0" dirty="0">
-                <a:solidFill>
-                  <a:schemeClr val="bg1"/>
-                </a:solidFill>
-                <a:effectLst/>
-              </a:rPr>
-              <a:t> </a:t>
-            </a:r>
-          </a:p>
-          <a:p>
-            <a:pPr marL="0" indent="0">
-              <a:buNone/>
-            </a:pPr>
-            <a:r>
-              <a:rPr lang="pt-BR" b="1" i="1" dirty="0">
-                <a:solidFill>
-                  <a:schemeClr val="bg1">
-                    <a:lumMod val="65000"/>
-                  </a:schemeClr>
-                </a:solidFill>
-              </a:rPr>
-              <a:t>    # a região é composta pelas seguintes faixas e cep:</a:t>
-            </a:r>
-            <a:endParaRPr lang="pt-BR" b="0" dirty="0">
-              <a:solidFill>
-                <a:schemeClr val="bg1">
-                  <a:lumMod val="65000"/>
-                </a:schemeClr>
-              </a:solidFill>
-              <a:effectLst/>
-            </a:endParaRPr>
-          </a:p>
-          <a:p>
-            <a:pPr marL="0" indent="0">
-              <a:buNone/>
-            </a:pPr>
-            <a:r>
-              <a:rPr lang="pt-BR" b="1" i="1" dirty="0">
-                <a:solidFill>
-                  <a:schemeClr val="bg1">
-                    <a:lumMod val="65000"/>
-                  </a:schemeClr>
-                </a:solidFill>
-              </a:rPr>
-              <a:t>    #   PR | 80000-000  a 87999-999</a:t>
-            </a:r>
-            <a:endParaRPr lang="pt-BR" b="0" dirty="0">
-              <a:solidFill>
-                <a:schemeClr val="bg1">
-                  <a:lumMod val="65000"/>
-                </a:schemeClr>
-              </a:solidFill>
-              <a:effectLst/>
-            </a:endParaRPr>
-          </a:p>
-          <a:p>
-            <a:pPr marL="0" indent="0">
-              <a:buNone/>
-            </a:pPr>
-            <a:r>
-              <a:rPr lang="pt-BR" b="1" i="1" dirty="0">
-                <a:solidFill>
-                  <a:schemeClr val="bg1">
-                    <a:lumMod val="65000"/>
-                  </a:schemeClr>
-                </a:solidFill>
-              </a:rPr>
-              <a:t>    #   SC | 88000-000  a 89999-999</a:t>
-            </a:r>
-            <a:endParaRPr lang="pt-BR" b="0" dirty="0">
-              <a:solidFill>
-                <a:schemeClr val="bg1">
-                  <a:lumMod val="65000"/>
-                </a:schemeClr>
-              </a:solidFill>
-              <a:effectLst/>
-            </a:endParaRPr>
-          </a:p>
-          <a:p>
-            <a:pPr marL="0" indent="0">
-              <a:buNone/>
-            </a:pPr>
-            <a:r>
-              <a:rPr lang="pt-BR" b="1" i="1" dirty="0">
-                <a:solidFill>
-                  <a:schemeClr val="bg1">
-                    <a:lumMod val="65000"/>
-                  </a:schemeClr>
-                </a:solidFill>
-              </a:rPr>
-              <a:t>    #   RS | 90000-000  a 99999-99</a:t>
-            </a:r>
-            <a:endParaRPr lang="pt-BR" b="0" dirty="0">
-              <a:solidFill>
-                <a:schemeClr val="bg1">
-                  <a:lumMod val="65000"/>
-                </a:schemeClr>
-              </a:solidFill>
-              <a:effectLst/>
-            </a:endParaRPr>
-          </a:p>
-          <a:p>
-            <a:pPr marL="0" indent="0">
-              <a:buNone/>
-            </a:pPr>
-            <a:br>
-              <a:rPr lang="pt-BR" dirty="0">
-                <a:solidFill>
-                  <a:schemeClr val="bg1"/>
-                </a:solidFill>
-              </a:rPr>
-            </a:br>
-            <a:endParaRPr lang="pt-BR" dirty="0">
-              <a:solidFill>
-                <a:schemeClr val="bg1"/>
-              </a:solidFill>
-            </a:endParaRPr>
-          </a:p>
-        </p:txBody>
-      </p:sp>
-    </p:spTree>
-    <p:extLst>
-      <p:ext uri="{BB962C8B-B14F-4D97-AF65-F5344CB8AC3E}">
-        <p14:creationId xmlns:p14="http://schemas.microsoft.com/office/powerpoint/2010/main" val="2591929374"/>
-      </p:ext>
-    </p:extLst>
-  </p:cSld>
-  <p:clrMapOvr>
-    <a:masterClrMapping/>
-  </p:clrMapOvr>
-</p:sld>
-</file>
-
-<file path=ppt/slides/slide2.xml><?xml version="1.0" encoding="utf-8"?>
-<p:sld xmlns:a="http://schemas.openxmlformats.org/drawingml/2006/main" xmlns:r="http://schemas.openxmlformats.org/officeDocument/2006/relationships" xmlns:p="http://schemas.openxmlformats.org/presentationml/2006/main">
-  <p:cSld>
-    <p:spTree>
-      <p:nvGrpSpPr>
-        <p:cNvPr id="1" name=""/>
-        <p:cNvGrpSpPr/>
-        <p:nvPr/>
-      </p:nvGrpSpPr>
-      <p:grpSpPr>
-        <a:xfrm>
-          <a:off x="0" y="0"/>
-          <a:ext cx="0" cy="0"/>
-          <a:chOff x="0" y="0"/>
-          <a:chExt cx="0" cy="0"/>
-        </a:xfrm>
-      </p:grpSpPr>
-      <p:sp>
-        <p:nvSpPr>
-          <p:cNvPr id="2" name="Título 1">
-            <a:extLst>
-              <a:ext uri="{FF2B5EF4-FFF2-40B4-BE49-F238E27FC236}">
-                <a16:creationId xmlns:a16="http://schemas.microsoft.com/office/drawing/2014/main" id="{7732D4A9-F7F9-45E2-A6A9-0A83D89DD54C}"/>
-              </a:ext>
-            </a:extLst>
-          </p:cNvPr>
-          <p:cNvSpPr>
-            <a:spLocks noGrp="1"/>
-          </p:cNvSpPr>
-          <p:nvPr>
-            <p:ph type="title"/>
-          </p:nvPr>
-        </p:nvSpPr>
-        <p:spPr>
-          <a:xfrm>
-            <a:off x="838200" y="290063"/>
-            <a:ext cx="10515600" cy="781948"/>
-          </a:xfrm>
-        </p:spPr>
-        <p:txBody>
-          <a:bodyPr/>
-          <a:lstStyle/>
-          <a:p>
-            <a:r>
-              <a:rPr lang="pt-BR" dirty="0"/>
-              <a:t>O Que é BDD?</a:t>
-            </a:r>
-          </a:p>
-        </p:txBody>
-      </p:sp>
-      <p:sp>
-        <p:nvSpPr>
-          <p:cNvPr id="3" name="Espaço Reservado para Conteúdo 2">
-            <a:extLst>
-              <a:ext uri="{FF2B5EF4-FFF2-40B4-BE49-F238E27FC236}">
-                <a16:creationId xmlns:a16="http://schemas.microsoft.com/office/drawing/2014/main" id="{C532DAA5-C693-4C46-B5F6-EFB83A133B83}"/>
-              </a:ext>
-            </a:extLst>
-          </p:cNvPr>
-          <p:cNvSpPr>
-            <a:spLocks noGrp="1"/>
-          </p:cNvSpPr>
-          <p:nvPr>
-            <p:ph idx="1"/>
-          </p:nvPr>
-        </p:nvSpPr>
-        <p:spPr/>
-        <p:txBody>
-          <a:bodyPr/>
-          <a:lstStyle/>
-          <a:p>
-            <a:r>
-              <a:rPr lang="pt-BR" dirty="0"/>
-              <a:t>BDD é técnica de desenvolvimento ágil que visa integrar regras de negócios com linguagem de programação, focando o comportamento do software. </a:t>
-            </a:r>
-          </a:p>
-        </p:txBody>
-      </p:sp>
-      <p:pic>
-        <p:nvPicPr>
-          <p:cNvPr id="1026" name="Picture 2" descr="Ilustração Do Ponto De Interrogação E Do Conceito 3d Do Homem ...">
-            <a:extLst>
-              <a:ext uri="{FF2B5EF4-FFF2-40B4-BE49-F238E27FC236}">
-                <a16:creationId xmlns:a16="http://schemas.microsoft.com/office/drawing/2014/main" id="{AF6FCB37-B887-4A1A-905D-722D3640D2F1}"/>
+                <a16:creationId xmlns:a16="http://schemas.microsoft.com/office/drawing/2014/main" id="{E9957B56-E462-40BE-BA91-8B7878C97FA0}"/>
               </a:ext>
             </a:extLst>
           </p:cNvPr>
@@ -14458,7 +14339,7 @@
           <p:nvPr/>
         </p:nvPicPr>
         <p:blipFill>
-          <a:blip r:embed="rId2">
+          <a:blip r:embed="rId7">
             <a:extLst>
               <a:ext uri="{28A0092B-C50C-407E-A947-70E740481C1C}">
                 <a14:useLocalDpi xmlns:a14="http://schemas.microsoft.com/office/drawing/2010/main" val="0"/>
@@ -14472,21 +14353,13 @@
         </p:blipFill>
         <p:spPr bwMode="auto">
           <a:xfrm>
-            <a:off x="9529906" y="231631"/>
-            <a:ext cx="2428805" cy="1593994"/>
+            <a:off x="9881465" y="411018"/>
+            <a:ext cx="1735167" cy="1565564"/>
           </a:xfrm>
           <a:prstGeom prst="rect">
             <a:avLst/>
           </a:prstGeom>
           <a:noFill/>
-          <a:scene3d>
-            <a:camera prst="orthographicFront"/>
-            <a:lightRig rig="threePt" dir="t"/>
-          </a:scene3d>
-          <a:sp3d>
-            <a:bevelT/>
-            <a:bevelB prst="relaxedInset"/>
-          </a:sp3d>
           <a:extLst>
             <a:ext uri="{909E8E84-426E-40DD-AFC4-6F175D3DCCD1}">
               <a14:hiddenFill xmlns:a14="http://schemas.microsoft.com/office/drawing/2010/main">
@@ -14501,7 +14374,7 @@
     </p:spTree>
     <p:extLst>
       <p:ext uri="{BB962C8B-B14F-4D97-AF65-F5344CB8AC3E}">
-        <p14:creationId xmlns:p14="http://schemas.microsoft.com/office/powerpoint/2010/main" val="3361823484"/>
+        <p14:creationId xmlns:p14="http://schemas.microsoft.com/office/powerpoint/2010/main" val="1054497302"/>
       </p:ext>
     </p:extLst>
   </p:cSld>
@@ -14511,7 +14384,7 @@
 </p:sld>
 </file>
 
-<file path=ppt/slides/slide3.xml><?xml version="1.0" encoding="utf-8"?>
+<file path=ppt/slides/slide8.xml><?xml version="1.0" encoding="utf-8"?>
 <p:sld xmlns:a="http://schemas.openxmlformats.org/drawingml/2006/main" xmlns:r="http://schemas.openxmlformats.org/officeDocument/2006/relationships" xmlns:p="http://schemas.openxmlformats.org/presentationml/2006/main">
   <p:cSld>
     <p:spTree>
@@ -14585,40 +14458,117 @@
           <a:p>
             <a:pPr lvl="1"/>
             <a:r>
-              <a:rPr lang="pt-BR" dirty="0"/>
+              <a:rPr lang="pt-BR" dirty="0">
+                <a:solidFill>
+                  <a:schemeClr val="accent6">
+                    <a:lumMod val="75000"/>
+                  </a:schemeClr>
+                </a:solidFill>
+              </a:rPr>
               <a:t>Scenario</a:t>
             </a:r>
           </a:p>
           <a:p>
             <a:pPr lvl="1"/>
             <a:r>
-              <a:rPr lang="pt-BR" dirty="0"/>
+              <a:rPr lang="pt-BR" dirty="0">
+                <a:solidFill>
+                  <a:schemeClr val="accent6">
+                    <a:lumMod val="75000"/>
+                  </a:schemeClr>
+                </a:solidFill>
+              </a:rPr>
               <a:t>Given</a:t>
             </a:r>
           </a:p>
           <a:p>
             <a:pPr lvl="1"/>
             <a:r>
-              <a:rPr lang="pt-BR" dirty="0"/>
+              <a:rPr lang="pt-BR" dirty="0">
+                <a:solidFill>
+                  <a:schemeClr val="accent6">
+                    <a:lumMod val="75000"/>
+                  </a:schemeClr>
+                </a:solidFill>
+              </a:rPr>
               <a:t>When</a:t>
             </a:r>
           </a:p>
           <a:p>
             <a:pPr lvl="1"/>
             <a:r>
-              <a:rPr lang="pt-BR" dirty="0"/>
+              <a:rPr lang="pt-BR" dirty="0">
+                <a:solidFill>
+                  <a:schemeClr val="accent6">
+                    <a:lumMod val="75000"/>
+                  </a:schemeClr>
+                </a:solidFill>
+              </a:rPr>
               <a:t>Then</a:t>
             </a:r>
           </a:p>
           <a:p>
             <a:pPr lvl="1"/>
             <a:r>
-              <a:rPr lang="pt-BR" dirty="0"/>
+              <a:rPr lang="pt-BR" dirty="0">
+                <a:solidFill>
+                  <a:schemeClr val="accent6">
+                    <a:lumMod val="75000"/>
+                  </a:schemeClr>
+                </a:solidFill>
+              </a:rPr>
               <a:t>And</a:t>
             </a:r>
           </a:p>
         </p:txBody>
       </p:sp>
+      <p:pic>
+        <p:nvPicPr>
+          <p:cNvPr id="5" name="Picture 2" descr="Homem 3d Branco Com Uma Chave De Fenda Vermelha Nas Mãos ...">
+            <a:extLst>
+              <a:ext uri="{FF2B5EF4-FFF2-40B4-BE49-F238E27FC236}">
+                <a16:creationId xmlns:a16="http://schemas.microsoft.com/office/drawing/2014/main" id="{E8412996-EF3E-4F84-8008-E11939D4EB48}"/>
+              </a:ext>
+            </a:extLst>
+          </p:cNvPr>
+          <p:cNvPicPr>
+            <a:picLocks noChangeAspect="1" noChangeArrowheads="1"/>
+          </p:cNvPicPr>
+          <p:nvPr/>
+        </p:nvPicPr>
+        <p:blipFill>
+          <a:blip r:embed="rId2">
+            <a:extLst>
+              <a:ext uri="{28A0092B-C50C-407E-A947-70E740481C1C}">
+                <a14:useLocalDpi xmlns:a14="http://schemas.microsoft.com/office/drawing/2010/main" val="0"/>
+              </a:ext>
+            </a:extLst>
+          </a:blip>
+          <a:srcRect/>
+          <a:stretch>
+            <a:fillRect/>
+          </a:stretch>
+        </p:blipFill>
+        <p:spPr bwMode="auto">
+          <a:xfrm>
+            <a:off x="10455564" y="365125"/>
+            <a:ext cx="1360055" cy="1360055"/>
+          </a:xfrm>
+          <a:prstGeom prst="rect">
+            <a:avLst/>
+          </a:prstGeom>
+          <a:noFill/>
+          <a:extLst>
+            <a:ext uri="{909E8E84-426E-40DD-AFC4-6F175D3DCCD1}">
+              <a14:hiddenFill xmlns:a14="http://schemas.microsoft.com/office/drawing/2010/main">
+                <a:solidFill>
+                  <a:srgbClr val="FFFFFF"/>
+                </a:solidFill>
+              </a14:hiddenFill>
+            </a:ext>
+          </a:extLst>
+        </p:spPr>
+      </p:pic>
     </p:spTree>
     <p:extLst>
       <p:ext uri="{BB962C8B-B14F-4D97-AF65-F5344CB8AC3E}">
@@ -14632,7 +14582,7 @@
 </p:sld>
 </file>
 
-<file path=ppt/slides/slide4.xml><?xml version="1.0" encoding="utf-8"?>
+<file path=ppt/slides/slide9.xml><?xml version="1.0" encoding="utf-8"?>
 <p:sld xmlns:a="http://schemas.openxmlformats.org/drawingml/2006/main" xmlns:r="http://schemas.openxmlformats.org/officeDocument/2006/relationships" xmlns:p="http://schemas.openxmlformats.org/presentationml/2006/main">
   <p:cSld>
     <p:spTree>
@@ -14672,7 +14622,15 @@
           <a:p>
             <a:r>
               <a:rPr lang="pt-BR" dirty="0"/>
-              <a:t>Padrão de escrita BDD</a:t>
+              <a:t>Padrão de escrita </a:t>
+            </a:r>
+            <a:r>
+              <a:rPr lang="pt-BR" b="1" dirty="0">
+                <a:solidFill>
+                  <a:srgbClr val="FFC000"/>
+                </a:solidFill>
+              </a:rPr>
+              <a:t>BDD</a:t>
             </a:r>
           </a:p>
         </p:txBody>
@@ -14826,7 +14784,7 @@
             </a:pPr>
             <a:r>
               <a:rPr lang="pt-BR" sz="1600" dirty="0"/>
-              <a:t>Dado contexto []</a:t>
+              <a:t>Dado contexto [Pré-condições]</a:t>
             </a:r>
           </a:p>
           <a:p>
@@ -14856,7 +14814,7 @@
             </a:pPr>
             <a:r>
               <a:rPr lang="pt-BR" sz="1600" dirty="0"/>
-              <a:t>Quando [eventos]</a:t>
+              <a:t>Quando [eventos, ações]</a:t>
             </a:r>
           </a:p>
           <a:p>
@@ -14926,1333 +14884,8 @@
         </p:blipFill>
         <p:spPr bwMode="auto">
           <a:xfrm>
-            <a:off x="10048876" y="52387"/>
+            <a:off x="10154893" y="365125"/>
             <a:ext cx="1522370" cy="1638301"/>
-          </a:xfrm>
-          <a:prstGeom prst="rect">
-            <a:avLst/>
-          </a:prstGeom>
-          <a:noFill/>
-          <a:scene3d>
-            <a:camera prst="orthographicFront"/>
-            <a:lightRig rig="threePt" dir="t"/>
-          </a:scene3d>
-          <a:sp3d>
-            <a:bevelT/>
-          </a:sp3d>
-          <a:extLst>
-            <a:ext uri="{909E8E84-426E-40DD-AFC4-6F175D3DCCD1}">
-              <a14:hiddenFill xmlns:a14="http://schemas.microsoft.com/office/drawing/2010/main">
-                <a:solidFill>
-                  <a:srgbClr val="FFFFFF"/>
-                </a:solidFill>
-              </a14:hiddenFill>
-            </a:ext>
-          </a:extLst>
-        </p:spPr>
-      </p:pic>
-    </p:spTree>
-    <p:extLst>
-      <p:ext uri="{BB962C8B-B14F-4D97-AF65-F5344CB8AC3E}">
-        <p14:creationId xmlns:p14="http://schemas.microsoft.com/office/powerpoint/2010/main" val="2426438477"/>
-      </p:ext>
-    </p:extLst>
-  </p:cSld>
-  <p:clrMapOvr>
-    <a:masterClrMapping/>
-  </p:clrMapOvr>
-</p:sld>
-</file>
-
-<file path=ppt/slides/slide5.xml><?xml version="1.0" encoding="utf-8"?>
-<p:sld xmlns:a="http://schemas.openxmlformats.org/drawingml/2006/main" xmlns:r="http://schemas.openxmlformats.org/officeDocument/2006/relationships" xmlns:p="http://schemas.openxmlformats.org/presentationml/2006/main">
-  <p:cSld>
-    <p:spTree>
-      <p:nvGrpSpPr>
-        <p:cNvPr id="1" name=""/>
-        <p:cNvGrpSpPr/>
-        <p:nvPr/>
-      </p:nvGrpSpPr>
-      <p:grpSpPr>
-        <a:xfrm>
-          <a:off x="0" y="0"/>
-          <a:ext cx="0" cy="0"/>
-          <a:chOff x="0" y="0"/>
-          <a:chExt cx="0" cy="0"/>
-        </a:xfrm>
-      </p:grpSpPr>
-      <p:sp>
-        <p:nvSpPr>
-          <p:cNvPr id="3" name="Espaço Reservado para Conteúdo 2">
-            <a:extLst>
-              <a:ext uri="{FF2B5EF4-FFF2-40B4-BE49-F238E27FC236}">
-                <a16:creationId xmlns:a16="http://schemas.microsoft.com/office/drawing/2014/main" id="{D32733F3-549E-4E9F-AF6E-919C7BB8A8BD}"/>
-              </a:ext>
-            </a:extLst>
-          </p:cNvPr>
-          <p:cNvSpPr>
-            <a:spLocks noGrp="1"/>
-          </p:cNvSpPr>
-          <p:nvPr>
-            <p:ph idx="1"/>
-          </p:nvPr>
-        </p:nvSpPr>
-        <p:spPr>
-          <a:xfrm>
-            <a:off x="2044148" y="1507573"/>
-            <a:ext cx="8464826" cy="4351338"/>
-          </a:xfrm>
-        </p:spPr>
-        <p:txBody>
-          <a:bodyPr>
-            <a:normAutofit/>
-          </a:bodyPr>
-          <a:lstStyle/>
-          <a:p>
-            <a:pPr marL="0" indent="0">
-              <a:buNone/>
-            </a:pPr>
-            <a:r>
-              <a:rPr lang="pt-BR" sz="6600" b="1" dirty="0"/>
-              <a:t>Escrever features </a:t>
-            </a:r>
-          </a:p>
-          <a:p>
-            <a:pPr marL="0" indent="0">
-              <a:buNone/>
-            </a:pPr>
-            <a:r>
-              <a:rPr lang="pt-BR" sz="6600" b="1" dirty="0"/>
-              <a:t>muito </a:t>
-            </a:r>
-            <a:r>
-              <a:rPr lang="pt-BR" sz="6600" b="1" dirty="0">
-                <a:solidFill>
-                  <a:srgbClr val="FFC000"/>
-                </a:solidFill>
-              </a:rPr>
-              <a:t>técnicas</a:t>
-            </a:r>
-            <a:r>
-              <a:rPr lang="pt-BR" sz="6600" b="1" dirty="0"/>
-              <a:t> </a:t>
-            </a:r>
-          </a:p>
-        </p:txBody>
-      </p:sp>
-      <p:sp>
-        <p:nvSpPr>
-          <p:cNvPr id="4" name="Balão de Fala: Retângulo com Cantos Arredondados 3">
-            <a:extLst>
-              <a:ext uri="{FF2B5EF4-FFF2-40B4-BE49-F238E27FC236}">
-                <a16:creationId xmlns:a16="http://schemas.microsoft.com/office/drawing/2014/main" id="{27CD9830-1DDF-4A63-8D3B-BC7F6C46FFAB}"/>
-              </a:ext>
-            </a:extLst>
-          </p:cNvPr>
-          <p:cNvSpPr/>
-          <p:nvPr/>
-        </p:nvSpPr>
-        <p:spPr>
-          <a:xfrm>
-            <a:off x="2491409" y="3935896"/>
-            <a:ext cx="5102087" cy="1378226"/>
-          </a:xfrm>
-          <a:prstGeom prst="wedgeRoundRectCallout">
-            <a:avLst/>
-          </a:prstGeom>
-        </p:spPr>
-        <p:style>
-          <a:lnRef idx="2">
-            <a:schemeClr val="accent1">
-              <a:shade val="50000"/>
-            </a:schemeClr>
-          </a:lnRef>
-          <a:fillRef idx="1">
-            <a:schemeClr val="accent1"/>
-          </a:fillRef>
-          <a:effectRef idx="0">
-            <a:schemeClr val="accent1"/>
-          </a:effectRef>
-          <a:fontRef idx="minor">
-            <a:schemeClr val="lt1"/>
-          </a:fontRef>
-        </p:style>
-        <p:txBody>
-          <a:bodyPr rtlCol="0" anchor="ctr"/>
-          <a:lstStyle/>
-          <a:p>
-            <a:pPr algn="ctr"/>
-            <a:r>
-              <a:rPr lang="pt-BR" dirty="0"/>
-              <a:t>Para quem está começando com BDD sem uma orientação é um problema, eu vou mostrar depois por que esse formato não é legal </a:t>
-            </a:r>
-          </a:p>
-        </p:txBody>
-      </p:sp>
-    </p:spTree>
-    <p:extLst>
-      <p:ext uri="{BB962C8B-B14F-4D97-AF65-F5344CB8AC3E}">
-        <p14:creationId xmlns:p14="http://schemas.microsoft.com/office/powerpoint/2010/main" val="1962838202"/>
-      </p:ext>
-    </p:extLst>
-  </p:cSld>
-  <p:clrMapOvr>
-    <a:masterClrMapping/>
-  </p:clrMapOvr>
-</p:sld>
-</file>
-
-<file path=ppt/slides/slide6.xml><?xml version="1.0" encoding="utf-8"?>
-<p:sld xmlns:a="http://schemas.openxmlformats.org/drawingml/2006/main" xmlns:r="http://schemas.openxmlformats.org/officeDocument/2006/relationships" xmlns:p="http://schemas.openxmlformats.org/presentationml/2006/main">
-  <p:cSld>
-    <p:spTree>
-      <p:nvGrpSpPr>
-        <p:cNvPr id="1" name=""/>
-        <p:cNvGrpSpPr/>
-        <p:nvPr/>
-      </p:nvGrpSpPr>
-      <p:grpSpPr>
-        <a:xfrm>
-          <a:off x="0" y="0"/>
-          <a:ext cx="0" cy="0"/>
-          <a:chOff x="0" y="0"/>
-          <a:chExt cx="0" cy="0"/>
-        </a:xfrm>
-      </p:grpSpPr>
-      <p:sp>
-        <p:nvSpPr>
-          <p:cNvPr id="2" name="Título 1">
-            <a:extLst>
-              <a:ext uri="{FF2B5EF4-FFF2-40B4-BE49-F238E27FC236}">
-                <a16:creationId xmlns:a16="http://schemas.microsoft.com/office/drawing/2014/main" id="{ECCFCE69-2ACB-43FF-8BD0-C61325494881}"/>
-              </a:ext>
-            </a:extLst>
-          </p:cNvPr>
-          <p:cNvSpPr>
-            <a:spLocks noGrp="1"/>
-          </p:cNvSpPr>
-          <p:nvPr>
-            <p:ph type="title"/>
-          </p:nvPr>
-        </p:nvSpPr>
-        <p:spPr/>
-        <p:txBody>
-          <a:bodyPr/>
-          <a:lstStyle/>
-          <a:p>
-            <a:r>
-              <a:rPr lang="pt-BR" dirty="0"/>
-              <a:t>BDD de maneira errada!</a:t>
-            </a:r>
-          </a:p>
-        </p:txBody>
-      </p:sp>
-      <p:sp>
-        <p:nvSpPr>
-          <p:cNvPr id="3" name="Espaço Reservado para Conteúdo 2">
-            <a:extLst>
-              <a:ext uri="{FF2B5EF4-FFF2-40B4-BE49-F238E27FC236}">
-                <a16:creationId xmlns:a16="http://schemas.microsoft.com/office/drawing/2014/main" id="{3DB03518-8E0E-4961-AB12-E92E27146C3F}"/>
-              </a:ext>
-            </a:extLst>
-          </p:cNvPr>
-          <p:cNvSpPr>
-            <a:spLocks noGrp="1"/>
-          </p:cNvSpPr>
-          <p:nvPr>
-            <p:ph idx="1"/>
-          </p:nvPr>
-        </p:nvSpPr>
-        <p:spPr>
-          <a:xfrm>
-            <a:off x="838200" y="1439718"/>
-            <a:ext cx="10515600" cy="501939"/>
-          </a:xfrm>
-        </p:spPr>
-        <p:txBody>
-          <a:bodyPr/>
-          <a:lstStyle/>
-          <a:p>
-            <a:r>
-              <a:rPr lang="pt-BR" b="1" dirty="0"/>
-              <a:t>Escrever features muito técnicas</a:t>
-            </a:r>
-          </a:p>
-          <a:p>
-            <a:pPr marL="0" indent="0">
-              <a:buNone/>
-            </a:pPr>
-            <a:endParaRPr lang="pt-BR" b="1" dirty="0">
-              <a:effectLst/>
-            </a:endParaRPr>
-          </a:p>
-          <a:p>
-            <a:endParaRPr lang="pt-BR" b="0" dirty="0">
-              <a:effectLst/>
-            </a:endParaRPr>
-          </a:p>
-        </p:txBody>
-      </p:sp>
-      <p:sp>
-        <p:nvSpPr>
-          <p:cNvPr id="4" name="Retângulo 3">
-            <a:extLst>
-              <a:ext uri="{FF2B5EF4-FFF2-40B4-BE49-F238E27FC236}">
-                <a16:creationId xmlns:a16="http://schemas.microsoft.com/office/drawing/2014/main" id="{C194D2B2-8EF3-467A-A135-E54D3D16E0A8}"/>
-              </a:ext>
-            </a:extLst>
-          </p:cNvPr>
-          <p:cNvSpPr/>
-          <p:nvPr/>
-        </p:nvSpPr>
-        <p:spPr>
-          <a:xfrm>
-            <a:off x="838200" y="2133599"/>
-            <a:ext cx="10515600" cy="4230255"/>
-          </a:xfrm>
-          <a:prstGeom prst="rect">
-            <a:avLst/>
-          </a:prstGeom>
-          <a:solidFill>
-            <a:schemeClr val="tx1"/>
-          </a:solidFill>
-        </p:spPr>
-        <p:style>
-          <a:lnRef idx="2">
-            <a:schemeClr val="accent1">
-              <a:shade val="50000"/>
-            </a:schemeClr>
-          </a:lnRef>
-          <a:fillRef idx="1">
-            <a:schemeClr val="accent1"/>
-          </a:fillRef>
-          <a:effectRef idx="0">
-            <a:schemeClr val="accent1"/>
-          </a:effectRef>
-          <a:fontRef idx="minor">
-            <a:schemeClr val="lt1"/>
-          </a:fontRef>
-        </p:style>
-        <p:txBody>
-          <a:bodyPr rtlCol="0" anchor="ctr"/>
-          <a:lstStyle/>
-          <a:p>
-            <a:r>
-              <a:rPr lang="pt-BR" i="1" dirty="0"/>
-              <a:t># EXEMPLO RUIM! Não faça isso!</a:t>
-            </a:r>
-            <a:endParaRPr lang="pt-BR" dirty="0"/>
-          </a:p>
-          <a:p>
-            <a:br>
-              <a:rPr lang="pt-BR" dirty="0"/>
-            </a:br>
-            <a:r>
-              <a:rPr lang="pt-BR" dirty="0" err="1"/>
-              <a:t>language</a:t>
-            </a:r>
-            <a:r>
-              <a:rPr lang="pt-BR" dirty="0"/>
-              <a:t>: </a:t>
-            </a:r>
-            <a:r>
-              <a:rPr lang="pt-BR" dirty="0" err="1"/>
-              <a:t>pt</a:t>
-            </a:r>
-            <a:endParaRPr lang="pt-BR" dirty="0"/>
-          </a:p>
-          <a:p>
-            <a:br>
-              <a:rPr lang="pt-BR" dirty="0"/>
-            </a:br>
-            <a:r>
-              <a:rPr lang="pt-BR" dirty="0">
-                <a:solidFill>
-                  <a:srgbClr val="9966FF"/>
-                </a:solidFill>
-              </a:rPr>
-              <a:t>Funcionalidade</a:t>
-            </a:r>
-            <a:r>
-              <a:rPr lang="pt-BR" dirty="0"/>
-              <a:t>: </a:t>
-            </a:r>
-            <a:r>
-              <a:rPr lang="pt-BR" dirty="0">
-                <a:solidFill>
-                  <a:schemeClr val="accent6">
-                    <a:lumMod val="60000"/>
-                    <a:lumOff val="40000"/>
-                  </a:schemeClr>
-                </a:solidFill>
-              </a:rPr>
-              <a:t>Compra de produtos</a:t>
-            </a:r>
-          </a:p>
-          <a:p>
-            <a:br>
-              <a:rPr lang="pt-BR" dirty="0">
-                <a:solidFill>
-                  <a:schemeClr val="accent6">
-                    <a:lumMod val="60000"/>
-                    <a:lumOff val="40000"/>
-                  </a:schemeClr>
-                </a:solidFill>
-              </a:rPr>
-            </a:br>
-            <a:r>
-              <a:rPr lang="pt-BR" dirty="0" err="1">
-                <a:solidFill>
-                  <a:srgbClr val="9966FF"/>
-                </a:solidFill>
-              </a:rPr>
-              <a:t>Cenario</a:t>
-            </a:r>
-            <a:r>
-              <a:rPr lang="pt-BR" dirty="0"/>
-              <a:t>: </a:t>
-            </a:r>
-            <a:r>
-              <a:rPr lang="pt-BR" dirty="0">
-                <a:solidFill>
-                  <a:schemeClr val="accent6">
-                    <a:lumMod val="60000"/>
-                    <a:lumOff val="40000"/>
-                  </a:schemeClr>
-                </a:solidFill>
-              </a:rPr>
-              <a:t>Compra de um produto com frete grátis em região específica</a:t>
-            </a:r>
-          </a:p>
-          <a:p>
-            <a:br>
-              <a:rPr lang="pt-BR" dirty="0">
-                <a:solidFill>
-                  <a:schemeClr val="accent6">
-                    <a:lumMod val="60000"/>
-                    <a:lumOff val="40000"/>
-                  </a:schemeClr>
-                </a:solidFill>
-              </a:rPr>
-            </a:br>
-            <a:r>
-              <a:rPr lang="pt-BR" dirty="0"/>
-              <a:t>    </a:t>
-            </a:r>
-            <a:r>
-              <a:rPr lang="pt-BR" dirty="0">
-                <a:solidFill>
-                  <a:srgbClr val="9966FF"/>
-                </a:solidFill>
-              </a:rPr>
-              <a:t>Dado</a:t>
-            </a:r>
-            <a:r>
-              <a:rPr lang="pt-BR" dirty="0"/>
-              <a:t> que eu sou um cliente da região Sul</a:t>
-            </a:r>
-          </a:p>
-          <a:p>
-            <a:r>
-              <a:rPr lang="pt-BR" dirty="0"/>
-              <a:t>    </a:t>
-            </a:r>
-            <a:r>
-              <a:rPr lang="pt-BR" dirty="0">
-                <a:solidFill>
-                  <a:srgbClr val="9966FF"/>
-                </a:solidFill>
-              </a:rPr>
-              <a:t>Quando</a:t>
-            </a:r>
-            <a:r>
-              <a:rPr lang="pt-BR" dirty="0"/>
-              <a:t> eu clico no menu</a:t>
-            </a:r>
-            <a:r>
-              <a:rPr lang="pt-BR" dirty="0">
-                <a:solidFill>
-                  <a:schemeClr val="accent6">
-                    <a:lumMod val="60000"/>
-                    <a:lumOff val="40000"/>
-                  </a:schemeClr>
-                </a:solidFill>
-              </a:rPr>
-              <a:t> "eletrônicos"</a:t>
-            </a:r>
-          </a:p>
-          <a:p>
-            <a:r>
-              <a:rPr lang="pt-BR" dirty="0"/>
-              <a:t>        </a:t>
-            </a:r>
-            <a:r>
-              <a:rPr lang="pt-BR" dirty="0">
-                <a:solidFill>
-                  <a:srgbClr val="9966FF"/>
-                </a:solidFill>
-              </a:rPr>
-              <a:t>E</a:t>
-            </a:r>
-            <a:r>
-              <a:rPr lang="pt-BR" dirty="0"/>
-              <a:t> eu clico no item </a:t>
-            </a:r>
-            <a:r>
-              <a:rPr lang="pt-BR" dirty="0">
-                <a:solidFill>
-                  <a:schemeClr val="accent6">
-                    <a:lumMod val="60000"/>
-                    <a:lumOff val="40000"/>
-                  </a:schemeClr>
-                </a:solidFill>
-              </a:rPr>
-              <a:t>"TVs 49" </a:t>
-            </a:r>
-            <a:r>
-              <a:rPr lang="pt-BR" dirty="0"/>
-              <a:t>no canto esquerdo da tela</a:t>
-            </a:r>
-          </a:p>
-          <a:p>
-            <a:r>
-              <a:rPr lang="pt-BR" dirty="0"/>
-              <a:t>        </a:t>
-            </a:r>
-            <a:r>
-              <a:rPr lang="pt-BR" dirty="0">
-                <a:solidFill>
-                  <a:srgbClr val="9966FF"/>
-                </a:solidFill>
-              </a:rPr>
-              <a:t>E</a:t>
-            </a:r>
-            <a:r>
-              <a:rPr lang="pt-BR" dirty="0"/>
-              <a:t> eu clico na </a:t>
-            </a:r>
-            <a:r>
-              <a:rPr lang="pt-BR" dirty="0">
-                <a:solidFill>
-                  <a:schemeClr val="accent6">
-                    <a:lumMod val="60000"/>
-                    <a:lumOff val="40000"/>
-                  </a:schemeClr>
-                </a:solidFill>
-              </a:rPr>
-              <a:t>"TV LG </a:t>
-            </a:r>
-            <a:r>
-              <a:rPr lang="pt-BR" dirty="0" err="1">
-                <a:solidFill>
-                  <a:schemeClr val="accent6">
-                    <a:lumMod val="60000"/>
-                    <a:lumOff val="40000"/>
-                  </a:schemeClr>
-                </a:solidFill>
-              </a:rPr>
-              <a:t>Smart</a:t>
-            </a:r>
-            <a:r>
-              <a:rPr lang="pt-BR" dirty="0">
-                <a:solidFill>
-                  <a:schemeClr val="accent6">
-                    <a:lumMod val="60000"/>
-                    <a:lumOff val="40000"/>
-                  </a:schemeClr>
-                </a:solidFill>
-              </a:rPr>
-              <a:t> 49"</a:t>
-            </a:r>
-          </a:p>
-          <a:p>
-            <a:r>
-              <a:rPr lang="pt-BR" dirty="0"/>
-              <a:t>        </a:t>
-            </a:r>
-            <a:r>
-              <a:rPr lang="pt-BR" dirty="0">
-                <a:solidFill>
-                  <a:srgbClr val="9966FF"/>
-                </a:solidFill>
-              </a:rPr>
-              <a:t>E</a:t>
-            </a:r>
-            <a:r>
-              <a:rPr lang="pt-BR" dirty="0"/>
-              <a:t> eu preencho meu CEP com </a:t>
-            </a:r>
-            <a:r>
-              <a:rPr lang="pt-BR" dirty="0">
-                <a:solidFill>
-                  <a:schemeClr val="accent6">
-                    <a:lumMod val="60000"/>
-                    <a:lumOff val="40000"/>
-                  </a:schemeClr>
-                </a:solidFill>
-              </a:rPr>
-              <a:t>"91010-000"</a:t>
-            </a:r>
-          </a:p>
-          <a:p>
-            <a:r>
-              <a:rPr lang="pt-BR" dirty="0"/>
-              <a:t>        </a:t>
-            </a:r>
-            <a:r>
-              <a:rPr lang="pt-BR" dirty="0">
-                <a:solidFill>
-                  <a:srgbClr val="9966FF"/>
-                </a:solidFill>
-              </a:rPr>
-              <a:t>E</a:t>
-            </a:r>
-            <a:r>
-              <a:rPr lang="pt-BR" dirty="0"/>
-              <a:t> eu clico no botão </a:t>
-            </a:r>
-            <a:r>
-              <a:rPr lang="pt-BR" dirty="0">
-                <a:solidFill>
-                  <a:schemeClr val="accent6">
-                    <a:lumMod val="60000"/>
-                    <a:lumOff val="40000"/>
-                  </a:schemeClr>
-                </a:solidFill>
-              </a:rPr>
-              <a:t>"Calcular frete"</a:t>
-            </a:r>
-          </a:p>
-          <a:p>
-            <a:r>
-              <a:rPr lang="pt-BR" dirty="0"/>
-              <a:t>    </a:t>
-            </a:r>
-            <a:r>
-              <a:rPr lang="pt-BR" dirty="0">
-                <a:solidFill>
-                  <a:srgbClr val="9966FF"/>
-                </a:solidFill>
-              </a:rPr>
-              <a:t>Então</a:t>
-            </a:r>
-            <a:r>
-              <a:rPr lang="pt-BR" dirty="0"/>
-              <a:t> eu vejo a mensagem </a:t>
-            </a:r>
-            <a:r>
-              <a:rPr lang="pt-BR" dirty="0">
-                <a:solidFill>
-                  <a:schemeClr val="accent6">
-                    <a:lumMod val="60000"/>
-                    <a:lumOff val="40000"/>
-                  </a:schemeClr>
-                </a:solidFill>
-              </a:rPr>
-              <a:t>"Frete Grátis!" </a:t>
-            </a:r>
-            <a:r>
-              <a:rPr lang="pt-BR" dirty="0"/>
-              <a:t>abaixo do botão</a:t>
-            </a:r>
-          </a:p>
-        </p:txBody>
-      </p:sp>
-      <p:sp>
-        <p:nvSpPr>
-          <p:cNvPr id="5" name="Balão de Fala: Retângulo com Cantos Arredondados 4">
-            <a:extLst>
-              <a:ext uri="{FF2B5EF4-FFF2-40B4-BE49-F238E27FC236}">
-                <a16:creationId xmlns:a16="http://schemas.microsoft.com/office/drawing/2014/main" id="{7AF05781-7D82-465D-B0A8-68444198D6AF}"/>
-              </a:ext>
-            </a:extLst>
-          </p:cNvPr>
-          <p:cNvSpPr/>
-          <p:nvPr/>
-        </p:nvSpPr>
-        <p:spPr>
-          <a:xfrm>
-            <a:off x="4174435" y="365125"/>
-            <a:ext cx="6453808" cy="1576532"/>
-          </a:xfrm>
-          <a:prstGeom prst="wedgeRoundRectCallout">
-            <a:avLst/>
-          </a:prstGeom>
-        </p:spPr>
-        <p:style>
-          <a:lnRef idx="2">
-            <a:schemeClr val="accent1">
-              <a:shade val="50000"/>
-            </a:schemeClr>
-          </a:lnRef>
-          <a:fillRef idx="1">
-            <a:schemeClr val="accent1"/>
-          </a:fillRef>
-          <a:effectRef idx="0">
-            <a:schemeClr val="accent1"/>
-          </a:effectRef>
-          <a:fontRef idx="minor">
-            <a:schemeClr val="lt1"/>
-          </a:fontRef>
-        </p:style>
-        <p:txBody>
-          <a:bodyPr rtlCol="0" anchor="ctr"/>
-          <a:lstStyle/>
-          <a:p>
-            <a:pPr algn="ctr"/>
-            <a:r>
-              <a:rPr lang="pt-BR" dirty="0"/>
-              <a:t>Da para entender perfeitamente</a:t>
-            </a:r>
-          </a:p>
-          <a:p>
-            <a:pPr algn="ctr"/>
-            <a:r>
-              <a:rPr lang="pt-BR" dirty="0"/>
-              <a:t>Vocês conseguem entender o problema disso?</a:t>
-            </a:r>
-          </a:p>
-          <a:p>
-            <a:pPr algn="ctr"/>
-            <a:r>
-              <a:rPr lang="pt-BR" dirty="0"/>
-              <a:t>A gente chama de implementação sobre o que ele tem que ser o comportamento</a:t>
-            </a:r>
-          </a:p>
-        </p:txBody>
-      </p:sp>
-      <p:sp>
-        <p:nvSpPr>
-          <p:cNvPr id="6" name="Balão de Fala: Retângulo 5">
-            <a:extLst>
-              <a:ext uri="{FF2B5EF4-FFF2-40B4-BE49-F238E27FC236}">
-                <a16:creationId xmlns:a16="http://schemas.microsoft.com/office/drawing/2014/main" id="{4BD1D56B-2952-4776-B7C7-2E053B48EA3A}"/>
-              </a:ext>
-            </a:extLst>
-          </p:cNvPr>
-          <p:cNvSpPr/>
-          <p:nvPr/>
-        </p:nvSpPr>
-        <p:spPr>
-          <a:xfrm>
-            <a:off x="5486399" y="2368826"/>
-            <a:ext cx="6016487" cy="2120348"/>
-          </a:xfrm>
-          <a:prstGeom prst="wedgeRectCallout">
-            <a:avLst/>
-          </a:prstGeom>
-        </p:spPr>
-        <p:style>
-          <a:lnRef idx="2">
-            <a:schemeClr val="accent1">
-              <a:shade val="50000"/>
-            </a:schemeClr>
-          </a:lnRef>
-          <a:fillRef idx="1">
-            <a:schemeClr val="accent1"/>
-          </a:fillRef>
-          <a:effectRef idx="0">
-            <a:schemeClr val="accent1"/>
-          </a:effectRef>
-          <a:fontRef idx="minor">
-            <a:schemeClr val="lt1"/>
-          </a:fontRef>
-        </p:style>
-        <p:txBody>
-          <a:bodyPr rtlCol="0" anchor="ctr"/>
-          <a:lstStyle/>
-          <a:p>
-            <a:pPr algn="ctr"/>
-            <a:r>
-              <a:rPr lang="pt-BR" dirty="0"/>
-              <a:t>Aqui eu estou dizendo como ele está sendo implementado e utilizado pelo usuário mas não precisava ter esse tanto de detalhe</a:t>
-            </a:r>
-          </a:p>
-        </p:txBody>
-      </p:sp>
-      <p:sp>
-        <p:nvSpPr>
-          <p:cNvPr id="7" name="Balão de Fala: Retângulo 6">
-            <a:extLst>
-              <a:ext uri="{FF2B5EF4-FFF2-40B4-BE49-F238E27FC236}">
-                <a16:creationId xmlns:a16="http://schemas.microsoft.com/office/drawing/2014/main" id="{949CB9F1-4B45-4775-86B4-5614E86ED473}"/>
-              </a:ext>
-            </a:extLst>
-          </p:cNvPr>
-          <p:cNvSpPr/>
-          <p:nvPr/>
-        </p:nvSpPr>
-        <p:spPr>
-          <a:xfrm>
-            <a:off x="5618922" y="4916344"/>
-            <a:ext cx="5300869" cy="1219413"/>
-          </a:xfrm>
-          <a:prstGeom prst="wedgeRectCallout">
-            <a:avLst/>
-          </a:prstGeom>
-        </p:spPr>
-        <p:style>
-          <a:lnRef idx="2">
-            <a:schemeClr val="accent1">
-              <a:shade val="50000"/>
-            </a:schemeClr>
-          </a:lnRef>
-          <a:fillRef idx="1">
-            <a:schemeClr val="accent1"/>
-          </a:fillRef>
-          <a:effectRef idx="0">
-            <a:schemeClr val="accent1"/>
-          </a:effectRef>
-          <a:fontRef idx="minor">
-            <a:schemeClr val="lt1"/>
-          </a:fontRef>
-        </p:style>
-        <p:txBody>
-          <a:bodyPr rtlCol="0" anchor="ctr"/>
-          <a:lstStyle/>
-          <a:p>
-            <a:pPr algn="ctr"/>
-            <a:r>
-              <a:rPr lang="pt-BR" dirty="0"/>
-              <a:t>Mai pra frente eu estarei mostrando uma maneira mais adequada para estar escrevendo o BDD</a:t>
-            </a:r>
-          </a:p>
-        </p:txBody>
-      </p:sp>
-    </p:spTree>
-    <p:extLst>
-      <p:ext uri="{BB962C8B-B14F-4D97-AF65-F5344CB8AC3E}">
-        <p14:creationId xmlns:p14="http://schemas.microsoft.com/office/powerpoint/2010/main" val="3812794246"/>
-      </p:ext>
-    </p:extLst>
-  </p:cSld>
-  <p:clrMapOvr>
-    <a:masterClrMapping/>
-  </p:clrMapOvr>
-</p:sld>
-</file>
-
-<file path=ppt/slides/slide7.xml><?xml version="1.0" encoding="utf-8"?>
-<p:sld xmlns:a="http://schemas.openxmlformats.org/drawingml/2006/main" xmlns:r="http://schemas.openxmlformats.org/officeDocument/2006/relationships" xmlns:p="http://schemas.openxmlformats.org/presentationml/2006/main">
-  <p:cSld>
-    <p:spTree>
-      <p:nvGrpSpPr>
-        <p:cNvPr id="1" name=""/>
-        <p:cNvGrpSpPr/>
-        <p:nvPr/>
-      </p:nvGrpSpPr>
-      <p:grpSpPr>
-        <a:xfrm>
-          <a:off x="0" y="0"/>
-          <a:ext cx="0" cy="0"/>
-          <a:chOff x="0" y="0"/>
-          <a:chExt cx="0" cy="0"/>
-        </a:xfrm>
-      </p:grpSpPr>
-      <p:sp>
-        <p:nvSpPr>
-          <p:cNvPr id="2" name="Título 1">
-            <a:extLst>
-              <a:ext uri="{FF2B5EF4-FFF2-40B4-BE49-F238E27FC236}">
-                <a16:creationId xmlns:a16="http://schemas.microsoft.com/office/drawing/2014/main" id="{0A97A790-768D-419B-9CA9-3976C0E7EC19}"/>
-              </a:ext>
-            </a:extLst>
-          </p:cNvPr>
-          <p:cNvSpPr>
-            <a:spLocks noGrp="1"/>
-          </p:cNvSpPr>
-          <p:nvPr>
-            <p:ph type="title"/>
-          </p:nvPr>
-        </p:nvSpPr>
-        <p:spPr/>
-        <p:txBody>
-          <a:bodyPr/>
-          <a:lstStyle/>
-          <a:p>
-            <a:endParaRPr lang="pt-BR"/>
-          </a:p>
-        </p:txBody>
-      </p:sp>
-      <p:sp>
-        <p:nvSpPr>
-          <p:cNvPr id="3" name="Espaço Reservado para Conteúdo 2">
-            <a:extLst>
-              <a:ext uri="{FF2B5EF4-FFF2-40B4-BE49-F238E27FC236}">
-                <a16:creationId xmlns:a16="http://schemas.microsoft.com/office/drawing/2014/main" id="{E3C12CC1-1E01-4876-BA72-1D4DC932CC54}"/>
-              </a:ext>
-            </a:extLst>
-          </p:cNvPr>
-          <p:cNvSpPr>
-            <a:spLocks noGrp="1"/>
-          </p:cNvSpPr>
-          <p:nvPr>
-            <p:ph idx="1"/>
-          </p:nvPr>
-        </p:nvSpPr>
-        <p:spPr/>
-        <p:txBody>
-          <a:bodyPr/>
-          <a:lstStyle/>
-          <a:p>
-            <a:pPr marL="0" indent="0">
-              <a:buNone/>
-            </a:pPr>
-            <a:r>
-              <a:rPr lang="pt-BR" dirty="0"/>
-              <a:t>BDD é um processo colaborativo que </a:t>
-            </a:r>
-          </a:p>
-          <a:p>
-            <a:pPr marL="0" indent="0">
-              <a:buNone/>
-            </a:pPr>
-            <a:r>
-              <a:rPr lang="pt-BR" dirty="0"/>
-              <a:t>envolve múltiplos membros do time</a:t>
-            </a:r>
-          </a:p>
-          <a:p>
-            <a:pPr marL="0" indent="0">
-              <a:buNone/>
-            </a:pPr>
-            <a:r>
-              <a:rPr lang="pt-BR" dirty="0"/>
-              <a:t>Trabalhando em conjunto com </a:t>
-            </a:r>
-            <a:r>
-              <a:rPr lang="pt-BR" dirty="0" err="1"/>
-              <a:t>Product</a:t>
-            </a:r>
-            <a:r>
-              <a:rPr lang="pt-BR" dirty="0"/>
-              <a:t> </a:t>
-            </a:r>
-            <a:r>
-              <a:rPr lang="pt-BR" dirty="0" err="1"/>
-              <a:t>Owners</a:t>
-            </a:r>
-            <a:endParaRPr lang="pt-BR" dirty="0"/>
-          </a:p>
-          <a:p>
-            <a:pPr marL="0" indent="0">
-              <a:buNone/>
-            </a:pPr>
-            <a:r>
-              <a:rPr lang="pt-BR" dirty="0"/>
-              <a:t>Para descobrir e refinar requisitos usando conversas de </a:t>
-            </a:r>
-          </a:p>
-          <a:p>
-            <a:pPr marL="0" indent="0">
-              <a:buNone/>
-            </a:pPr>
-            <a:r>
-              <a:rPr lang="pt-BR" dirty="0"/>
-              <a:t>Forma estruturada sobre exemplos de uso </a:t>
-            </a:r>
-          </a:p>
-          <a:p>
-            <a:pPr marL="0" indent="0">
-              <a:buNone/>
-            </a:pPr>
-            <a:r>
-              <a:rPr lang="pt-BR" dirty="0"/>
-              <a:t>E comportamento do sistema.</a:t>
-            </a:r>
-          </a:p>
-        </p:txBody>
-      </p:sp>
-      <p:sp>
-        <p:nvSpPr>
-          <p:cNvPr id="4" name="Balão de Fala: Retângulo com Cantos Arredondados 3">
-            <a:extLst>
-              <a:ext uri="{FF2B5EF4-FFF2-40B4-BE49-F238E27FC236}">
-                <a16:creationId xmlns:a16="http://schemas.microsoft.com/office/drawing/2014/main" id="{BC3D5A07-93DE-43FB-8417-3139A429B013}"/>
-              </a:ext>
-            </a:extLst>
-          </p:cNvPr>
-          <p:cNvSpPr/>
-          <p:nvPr/>
-        </p:nvSpPr>
-        <p:spPr>
-          <a:xfrm>
-            <a:off x="8521148" y="775356"/>
-            <a:ext cx="4717774" cy="2289313"/>
-          </a:xfrm>
-          <a:prstGeom prst="wedgeRoundRectCallout">
-            <a:avLst/>
-          </a:prstGeom>
-        </p:spPr>
-        <p:style>
-          <a:lnRef idx="2">
-            <a:schemeClr val="accent1">
-              <a:shade val="50000"/>
-            </a:schemeClr>
-          </a:lnRef>
-          <a:fillRef idx="1">
-            <a:schemeClr val="accent1"/>
-          </a:fillRef>
-          <a:effectRef idx="0">
-            <a:schemeClr val="accent1"/>
-          </a:effectRef>
-          <a:fontRef idx="minor">
-            <a:schemeClr val="lt1"/>
-          </a:fontRef>
-        </p:style>
-        <p:txBody>
-          <a:bodyPr rtlCol="0" anchor="ctr"/>
-          <a:lstStyle/>
-          <a:p>
-            <a:pPr algn="ctr"/>
-            <a:r>
-              <a:rPr lang="pt-BR" dirty="0"/>
-              <a:t>Passando uma definição mais clara do BDD </a:t>
-            </a:r>
-          </a:p>
-        </p:txBody>
-      </p:sp>
-    </p:spTree>
-    <p:extLst>
-      <p:ext uri="{BB962C8B-B14F-4D97-AF65-F5344CB8AC3E}">
-        <p14:creationId xmlns:p14="http://schemas.microsoft.com/office/powerpoint/2010/main" val="624446768"/>
-      </p:ext>
-    </p:extLst>
-  </p:cSld>
-  <p:clrMapOvr>
-    <a:masterClrMapping/>
-  </p:clrMapOvr>
-  <p:timing>
-    <p:tnLst>
-      <p:par>
-        <p:cTn id="1" dur="indefinite" restart="never" nodeType="tmRoot">
-          <p:childTnLst>
-            <p:seq concurrent="1" nextAc="seek">
-              <p:cTn id="2" dur="indefinite" nodeType="mainSeq">
-                <p:childTnLst>
-                  <p:par>
-                    <p:cTn id="3" fill="hold">
-                      <p:stCondLst>
-                        <p:cond delay="indefinite"/>
-                      </p:stCondLst>
-                      <p:childTnLst>
-                        <p:par>
-                          <p:cTn id="4" fill="hold">
-                            <p:stCondLst>
-                              <p:cond delay="0"/>
-                            </p:stCondLst>
-                            <p:childTnLst>
-                              <p:par>
-                                <p:cTn id="5" presetID="24" presetClass="emph" presetSubtype="0" fill="hold" nodeType="clickEffect">
-                                  <p:stCondLst>
-                                    <p:cond delay="0"/>
-                                  </p:stCondLst>
-                                  <p:childTnLst>
-                                    <p:animClr clrSpc="hsl" dir="cw">
-                                      <p:cBhvr override="childStyle">
-                                        <p:cTn id="6" dur="500" fill="hold"/>
-                                        <p:tgtEl>
-                                          <p:spTgt spid="3">
-                                            <p:txEl>
-                                              <p:pRg st="0" end="0"/>
-                                            </p:txEl>
-                                          </p:spTgt>
-                                        </p:tgtEl>
-                                        <p:attrNameLst>
-                                          <p:attrName>style.color</p:attrName>
-                                        </p:attrNameLst>
-                                      </p:cBhvr>
-                                      <p:by>
-                                        <p:hsl h="0" s="-12549" l="-25098"/>
-                                      </p:by>
-                                    </p:animClr>
-                                    <p:animClr clrSpc="hsl" dir="cw">
-                                      <p:cBhvr>
-                                        <p:cTn id="7" dur="500" fill="hold"/>
-                                        <p:tgtEl>
-                                          <p:spTgt spid="3">
-                                            <p:txEl>
-                                              <p:pRg st="0" end="0"/>
-                                            </p:txEl>
-                                          </p:spTgt>
-                                        </p:tgtEl>
-                                        <p:attrNameLst>
-                                          <p:attrName>fillcolor</p:attrName>
-                                        </p:attrNameLst>
-                                      </p:cBhvr>
-                                      <p:by>
-                                        <p:hsl h="0" s="-12549" l="-25098"/>
-                                      </p:by>
-                                    </p:animClr>
-                                    <p:animClr clrSpc="hsl" dir="cw">
-                                      <p:cBhvr>
-                                        <p:cTn id="8" dur="500" fill="hold"/>
-                                        <p:tgtEl>
-                                          <p:spTgt spid="3">
-                                            <p:txEl>
-                                              <p:pRg st="0" end="0"/>
-                                            </p:txEl>
-                                          </p:spTgt>
-                                        </p:tgtEl>
-                                        <p:attrNameLst>
-                                          <p:attrName>stroke.color</p:attrName>
-                                        </p:attrNameLst>
-                                      </p:cBhvr>
-                                      <p:by>
-                                        <p:hsl h="0" s="-12549" l="-25098"/>
-                                      </p:by>
-                                    </p:animClr>
-                                    <p:set>
-                                      <p:cBhvr>
-                                        <p:cTn id="9" dur="500" fill="hold"/>
-                                        <p:tgtEl>
-                                          <p:spTgt spid="3">
-                                            <p:txEl>
-                                              <p:pRg st="0" end="0"/>
-                                            </p:txEl>
-                                          </p:spTgt>
-                                        </p:tgtEl>
-                                        <p:attrNameLst>
-                                          <p:attrName>fill.type</p:attrName>
-                                        </p:attrNameLst>
-                                      </p:cBhvr>
-                                      <p:to>
-                                        <p:strVal val="solid"/>
-                                      </p:to>
-                                    </p:set>
-                                  </p:childTnLst>
-                                </p:cTn>
-                              </p:par>
-                            </p:childTnLst>
-                          </p:cTn>
-                        </p:par>
-                      </p:childTnLst>
-                    </p:cTn>
-                  </p:par>
-                  <p:par>
-                    <p:cTn id="10" fill="hold">
-                      <p:stCondLst>
-                        <p:cond delay="indefinite"/>
-                      </p:stCondLst>
-                      <p:childTnLst>
-                        <p:par>
-                          <p:cTn id="11" fill="hold">
-                            <p:stCondLst>
-                              <p:cond delay="0"/>
-                            </p:stCondLst>
-                            <p:childTnLst>
-                              <p:par>
-                                <p:cTn id="12" presetID="16" presetClass="emph" presetSubtype="0" fill="hold" nodeType="clickEffect">
-                                  <p:stCondLst>
-                                    <p:cond delay="0"/>
-                                  </p:stCondLst>
-                                  <p:iterate type="lt">
-                                    <p:tmPct val="4000"/>
-                                  </p:iterate>
-                                  <p:childTnLst>
-                                    <p:set>
-                                      <p:cBhvr override="childStyle">
-                                        <p:cTn id="13" dur="500" fill="hold"/>
-                                        <p:tgtEl>
-                                          <p:spTgt spid="3">
-                                            <p:txEl>
-                                              <p:pRg st="4" end="4"/>
-                                            </p:txEl>
-                                          </p:spTgt>
-                                        </p:tgtEl>
-                                        <p:attrNameLst>
-                                          <p:attrName>style.color</p:attrName>
-                                        </p:attrNameLst>
-                                      </p:cBhvr>
-                                      <p:to>
-                                        <p:clrVal>
-                                          <a:schemeClr val="accent2"/>
-                                        </p:clrVal>
-                                      </p:to>
-                                    </p:set>
-                                    <p:set>
-                                      <p:cBhvr>
-                                        <p:cTn id="14" dur="500" fill="hold"/>
-                                        <p:tgtEl>
-                                          <p:spTgt spid="3">
-                                            <p:txEl>
-                                              <p:pRg st="4" end="4"/>
-                                            </p:txEl>
-                                          </p:spTgt>
-                                        </p:tgtEl>
-                                        <p:attrNameLst>
-                                          <p:attrName>fillcolor</p:attrName>
-                                        </p:attrNameLst>
-                                      </p:cBhvr>
-                                      <p:to>
-                                        <p:clrVal>
-                                          <a:schemeClr val="accent2"/>
-                                        </p:clrVal>
-                                      </p:to>
-                                    </p:set>
-                                    <p:set>
-                                      <p:cBhvr>
-                                        <p:cTn id="15" dur="500" fill="hold"/>
-                                        <p:tgtEl>
-                                          <p:spTgt spid="3">
-                                            <p:txEl>
-                                              <p:pRg st="4" end="4"/>
-                                            </p:txEl>
-                                          </p:spTgt>
-                                        </p:tgtEl>
-                                        <p:attrNameLst>
-                                          <p:attrName>fill.type</p:attrName>
-                                        </p:attrNameLst>
-                                      </p:cBhvr>
-                                      <p:to>
-                                        <p:strVal val="solid"/>
-                                      </p:to>
-                                    </p:set>
-                                  </p:childTnLst>
-                                </p:cTn>
-                              </p:par>
-                            </p:childTnLst>
-                          </p:cTn>
-                        </p:par>
-                      </p:childTnLst>
-                    </p:cTn>
-                  </p:par>
-                </p:childTnLst>
-              </p:cTn>
-              <p:prevCondLst>
-                <p:cond evt="onPrev" delay="0">
-                  <p:tgtEl>
-                    <p:sldTgt/>
-                  </p:tgtEl>
-                </p:cond>
-              </p:prevCondLst>
-              <p:nextCondLst>
-                <p:cond evt="onNext" delay="0">
-                  <p:tgtEl>
-                    <p:sldTgt/>
-                  </p:tgtEl>
-                </p:cond>
-              </p:nextCondLst>
-            </p:seq>
-          </p:childTnLst>
-        </p:cTn>
-      </p:par>
-    </p:tnLst>
-  </p:timing>
-</p:sld>
-</file>
-
-<file path=ppt/slides/slide8.xml><?xml version="1.0" encoding="utf-8"?>
-<p:sld xmlns:a="http://schemas.openxmlformats.org/drawingml/2006/main" xmlns:r="http://schemas.openxmlformats.org/officeDocument/2006/relationships" xmlns:p="http://schemas.openxmlformats.org/presentationml/2006/main">
-  <p:cSld>
-    <p:spTree>
-      <p:nvGrpSpPr>
-        <p:cNvPr id="1" name=""/>
-        <p:cNvGrpSpPr/>
-        <p:nvPr/>
-      </p:nvGrpSpPr>
-      <p:grpSpPr>
-        <a:xfrm>
-          <a:off x="0" y="0"/>
-          <a:ext cx="0" cy="0"/>
-          <a:chOff x="0" y="0"/>
-          <a:chExt cx="0" cy="0"/>
-        </a:xfrm>
-      </p:grpSpPr>
-      <p:sp>
-        <p:nvSpPr>
-          <p:cNvPr id="3" name="Espaço Reservado para Conteúdo 2">
-            <a:extLst>
-              <a:ext uri="{FF2B5EF4-FFF2-40B4-BE49-F238E27FC236}">
-                <a16:creationId xmlns:a16="http://schemas.microsoft.com/office/drawing/2014/main" id="{DCB39356-A433-4BCD-9682-A4382BA94FF4}"/>
-              </a:ext>
-            </a:extLst>
-          </p:cNvPr>
-          <p:cNvSpPr>
-            <a:spLocks noGrp="1"/>
-          </p:cNvSpPr>
-          <p:nvPr>
-            <p:ph idx="1"/>
-          </p:nvPr>
-        </p:nvSpPr>
-        <p:spPr/>
-        <p:txBody>
-          <a:bodyPr>
-            <a:normAutofit/>
-          </a:bodyPr>
-          <a:lstStyle/>
-          <a:p>
-            <a:pPr marL="0" indent="0">
-              <a:buNone/>
-            </a:pPr>
-            <a:r>
-              <a:rPr lang="pt-BR" sz="3600" b="1" dirty="0"/>
-              <a:t>	Você pode me </a:t>
-            </a:r>
-          </a:p>
-          <a:p>
-            <a:pPr marL="0" indent="0">
-              <a:buNone/>
-            </a:pPr>
-            <a:r>
-              <a:rPr lang="pt-BR" sz="3600" b="1" dirty="0"/>
-              <a:t>	dar um </a:t>
-            </a:r>
-            <a:r>
-              <a:rPr lang="pt-BR" sz="3600" b="1" dirty="0">
-                <a:solidFill>
-                  <a:schemeClr val="accent4"/>
-                </a:solidFill>
-              </a:rPr>
-              <a:t>exemplo</a:t>
-            </a:r>
-            <a:r>
-              <a:rPr lang="pt-BR" sz="3600" b="1" dirty="0"/>
-              <a:t> </a:t>
-            </a:r>
-          </a:p>
-          <a:p>
-            <a:pPr marL="0" indent="0">
-              <a:buNone/>
-            </a:pPr>
-            <a:r>
-              <a:rPr lang="pt-BR" sz="3600" b="1" dirty="0"/>
-              <a:t>	deste requisito?</a:t>
-            </a:r>
-          </a:p>
-        </p:txBody>
-      </p:sp>
-      <p:pic>
-        <p:nvPicPr>
-          <p:cNvPr id="5124" name="Picture 4" descr="Homem 3d Que Pensa Com Ponto De Interrogação Vermelho Na Bolha Do ...">
-            <a:extLst>
-              <a:ext uri="{FF2B5EF4-FFF2-40B4-BE49-F238E27FC236}">
-                <a16:creationId xmlns:a16="http://schemas.microsoft.com/office/drawing/2014/main" id="{DC8D2066-E584-4DC0-8380-8FABBCC69C06}"/>
-              </a:ext>
-            </a:extLst>
-          </p:cNvPr>
-          <p:cNvPicPr>
-            <a:picLocks noChangeAspect="1" noChangeArrowheads="1"/>
-          </p:cNvPicPr>
-          <p:nvPr/>
-        </p:nvPicPr>
-        <p:blipFill>
-          <a:blip r:embed="rId2">
-            <a:extLst>
-              <a:ext uri="{28A0092B-C50C-407E-A947-70E740481C1C}">
-                <a14:useLocalDpi xmlns:a14="http://schemas.microsoft.com/office/drawing/2010/main" val="0"/>
-              </a:ext>
-            </a:extLst>
-          </a:blip>
-          <a:srcRect/>
-          <a:stretch>
-            <a:fillRect/>
-          </a:stretch>
-        </p:blipFill>
-        <p:spPr bwMode="auto">
-          <a:xfrm>
-            <a:off x="6605952" y="2168965"/>
-            <a:ext cx="4747848" cy="4142935"/>
           </a:xfrm>
           <a:prstGeom prst="rect">
             <a:avLst/>
@@ -16269,336 +14902,10 @@
           </a:extLst>
         </p:spPr>
       </p:pic>
-      <p:sp>
-        <p:nvSpPr>
-          <p:cNvPr id="2" name="Balão de Fala: Retângulo com Cantos Arredondados 1">
-            <a:extLst>
-              <a:ext uri="{FF2B5EF4-FFF2-40B4-BE49-F238E27FC236}">
-                <a16:creationId xmlns:a16="http://schemas.microsoft.com/office/drawing/2014/main" id="{91922758-0130-4277-AD42-48D03C215437}"/>
-              </a:ext>
-            </a:extLst>
-          </p:cNvPr>
-          <p:cNvSpPr/>
-          <p:nvPr/>
-        </p:nvSpPr>
-        <p:spPr>
-          <a:xfrm>
-            <a:off x="4161183" y="132522"/>
-            <a:ext cx="7010400" cy="1693103"/>
-          </a:xfrm>
-          <a:prstGeom prst="wedgeRoundRectCallout">
-            <a:avLst/>
-          </a:prstGeom>
-        </p:spPr>
-        <p:style>
-          <a:lnRef idx="2">
-            <a:schemeClr val="accent1">
-              <a:shade val="50000"/>
-            </a:schemeClr>
-          </a:lnRef>
-          <a:fillRef idx="1">
-            <a:schemeClr val="accent1"/>
-          </a:fillRef>
-          <a:effectRef idx="0">
-            <a:schemeClr val="accent1"/>
-          </a:effectRef>
-          <a:fontRef idx="minor">
-            <a:schemeClr val="lt1"/>
-          </a:fontRef>
-        </p:style>
-        <p:txBody>
-          <a:bodyPr rtlCol="0" anchor="ctr"/>
-          <a:lstStyle/>
-          <a:p>
-            <a:pPr algn="ctr"/>
-            <a:r>
-              <a:rPr lang="pt-BR" dirty="0"/>
-              <a:t>Então vamos lá para o BDD de maneira recomendada, sempre quando eu tenho uma use Story é onde vai nascer o conceito de escrever essa features esses exemplos </a:t>
-            </a:r>
-          </a:p>
-        </p:txBody>
-      </p:sp>
-      <p:sp>
-        <p:nvSpPr>
-          <p:cNvPr id="4" name="Balão de Fala: Retângulo 3">
-            <a:extLst>
-              <a:ext uri="{FF2B5EF4-FFF2-40B4-BE49-F238E27FC236}">
-                <a16:creationId xmlns:a16="http://schemas.microsoft.com/office/drawing/2014/main" id="{304FBC22-E041-415E-B5F8-56204E9AE8F8}"/>
-              </a:ext>
-            </a:extLst>
-          </p:cNvPr>
-          <p:cNvSpPr/>
-          <p:nvPr/>
-        </p:nvSpPr>
-        <p:spPr>
-          <a:xfrm>
-            <a:off x="6264709" y="1570383"/>
-            <a:ext cx="5768265" cy="2292626"/>
-          </a:xfrm>
-          <a:prstGeom prst="wedgeRectCallout">
-            <a:avLst/>
-          </a:prstGeom>
-        </p:spPr>
-        <p:style>
-          <a:lnRef idx="2">
-            <a:schemeClr val="accent1">
-              <a:shade val="50000"/>
-            </a:schemeClr>
-          </a:lnRef>
-          <a:fillRef idx="1">
-            <a:schemeClr val="accent1"/>
-          </a:fillRef>
-          <a:effectRef idx="0">
-            <a:schemeClr val="accent1"/>
-          </a:effectRef>
-          <a:fontRef idx="minor">
-            <a:schemeClr val="lt1"/>
-          </a:fontRef>
-        </p:style>
-        <p:txBody>
-          <a:bodyPr rtlCol="0" anchor="ctr"/>
-          <a:lstStyle/>
-          <a:p>
-            <a:pPr algn="ctr"/>
-            <a:r>
-              <a:rPr lang="pt-BR" dirty="0"/>
-              <a:t>Eu vou perguntar para meu PO ou a pessoa que trouxe esse requisito, quando estiver me mostrando, eu vou fazer essa pergunta: Você pode me dar um exemplo?</a:t>
-            </a:r>
-          </a:p>
-          <a:p>
-            <a:pPr algn="ctr"/>
-            <a:endParaRPr lang="pt-BR" dirty="0"/>
-          </a:p>
-          <a:p>
-            <a:pPr algn="ctr"/>
-            <a:r>
-              <a:rPr lang="pt-BR" dirty="0"/>
-              <a:t>Quando a gente faz essa pergunta, aí começa a nascer o BDD, começa a haver interação.</a:t>
-            </a:r>
-            <a:br>
-              <a:rPr lang="pt-BR" dirty="0"/>
-            </a:br>
-            <a:br>
-              <a:rPr lang="pt-BR" dirty="0"/>
-            </a:br>
-            <a:r>
-              <a:rPr lang="pt-BR" dirty="0"/>
-              <a:t>Pois ele vai te dar um exemplo de como usar </a:t>
-            </a:r>
-          </a:p>
-        </p:txBody>
-      </p:sp>
     </p:spTree>
     <p:extLst>
       <p:ext uri="{BB962C8B-B14F-4D97-AF65-F5344CB8AC3E}">
-        <p14:creationId xmlns:p14="http://schemas.microsoft.com/office/powerpoint/2010/main" val="973627985"/>
-      </p:ext>
-    </p:extLst>
-  </p:cSld>
-  <p:clrMapOvr>
-    <a:masterClrMapping/>
-  </p:clrMapOvr>
-</p:sld>
-</file>
-
-<file path=ppt/slides/slide9.xml><?xml version="1.0" encoding="utf-8"?>
-<p:sld xmlns:a="http://schemas.openxmlformats.org/drawingml/2006/main" xmlns:r="http://schemas.openxmlformats.org/officeDocument/2006/relationships" xmlns:p="http://schemas.openxmlformats.org/presentationml/2006/main">
-  <p:cSld>
-    <p:spTree>
-      <p:nvGrpSpPr>
-        <p:cNvPr id="1" name=""/>
-        <p:cNvGrpSpPr/>
-        <p:nvPr/>
-      </p:nvGrpSpPr>
-      <p:grpSpPr>
-        <a:xfrm>
-          <a:off x="0" y="0"/>
-          <a:ext cx="0" cy="0"/>
-          <a:chOff x="0" y="0"/>
-          <a:chExt cx="0" cy="0"/>
-        </a:xfrm>
-      </p:grpSpPr>
-      <p:sp>
-        <p:nvSpPr>
-          <p:cNvPr id="2" name="Título 1">
-            <a:extLst>
-              <a:ext uri="{FF2B5EF4-FFF2-40B4-BE49-F238E27FC236}">
-                <a16:creationId xmlns:a16="http://schemas.microsoft.com/office/drawing/2014/main" id="{E30A7AD9-DAD4-4B36-9D9A-1901816F4225}"/>
-              </a:ext>
-            </a:extLst>
-          </p:cNvPr>
-          <p:cNvSpPr>
-            <a:spLocks noGrp="1"/>
-          </p:cNvSpPr>
-          <p:nvPr>
-            <p:ph type="title"/>
-          </p:nvPr>
-        </p:nvSpPr>
-        <p:spPr/>
-        <p:txBody>
-          <a:bodyPr/>
-          <a:lstStyle/>
-          <a:p>
-            <a:r>
-              <a:rPr lang="pt-BR" dirty="0"/>
-              <a:t>Slide auxiliar</a:t>
-            </a:r>
-          </a:p>
-        </p:txBody>
-      </p:sp>
-      <p:sp>
-        <p:nvSpPr>
-          <p:cNvPr id="3" name="Espaço Reservado para Conteúdo 2">
-            <a:extLst>
-              <a:ext uri="{FF2B5EF4-FFF2-40B4-BE49-F238E27FC236}">
-                <a16:creationId xmlns:a16="http://schemas.microsoft.com/office/drawing/2014/main" id="{2FE39E08-57CB-40B2-8122-076520B93F2A}"/>
-              </a:ext>
-            </a:extLst>
-          </p:cNvPr>
-          <p:cNvSpPr>
-            <a:spLocks noGrp="1"/>
-          </p:cNvSpPr>
-          <p:nvPr>
-            <p:ph idx="1"/>
-          </p:nvPr>
-        </p:nvSpPr>
-        <p:spPr/>
-        <p:txBody>
-          <a:bodyPr/>
-          <a:lstStyle/>
-          <a:p>
-            <a:endParaRPr lang="pt-BR" dirty="0"/>
-          </a:p>
-        </p:txBody>
-      </p:sp>
-      <p:sp>
-        <p:nvSpPr>
-          <p:cNvPr id="4" name="Balão de Fala: Retângulo com Cantos Arredondados 3">
-            <a:extLst>
-              <a:ext uri="{FF2B5EF4-FFF2-40B4-BE49-F238E27FC236}">
-                <a16:creationId xmlns:a16="http://schemas.microsoft.com/office/drawing/2014/main" id="{1E8BDF81-A73E-47DA-A192-612AC66957A5}"/>
-              </a:ext>
-            </a:extLst>
-          </p:cNvPr>
-          <p:cNvSpPr/>
-          <p:nvPr/>
-        </p:nvSpPr>
-        <p:spPr>
-          <a:xfrm>
-            <a:off x="838200" y="53008"/>
-            <a:ext cx="9568070" cy="2266122"/>
-          </a:xfrm>
-          <a:prstGeom prst="wedgeRoundRectCallout">
-            <a:avLst/>
-          </a:prstGeom>
-        </p:spPr>
-        <p:style>
-          <a:lnRef idx="2">
-            <a:schemeClr val="accent1">
-              <a:shade val="50000"/>
-            </a:schemeClr>
-          </a:lnRef>
-          <a:fillRef idx="1">
-            <a:schemeClr val="accent1"/>
-          </a:fillRef>
-          <a:effectRef idx="0">
-            <a:schemeClr val="accent1"/>
-          </a:effectRef>
-          <a:fontRef idx="minor">
-            <a:schemeClr val="lt1"/>
-          </a:fontRef>
-        </p:style>
-        <p:txBody>
-          <a:bodyPr rtlCol="0" anchor="ctr"/>
-          <a:lstStyle/>
-          <a:p>
-            <a:pPr algn="ctr"/>
-            <a:r>
-              <a:rPr lang="pt-BR" dirty="0"/>
-              <a:t>Com o processo de BDD então eu a fase que tenho de descoberta</a:t>
-            </a:r>
-          </a:p>
-          <a:p>
-            <a:pPr algn="ctr"/>
-            <a:r>
-              <a:rPr lang="pt-BR" dirty="0"/>
-              <a:t>Eu tenho meu requisito e eu vou descobrir a visão o fluxo o comportamento, entendo a </a:t>
-            </a:r>
-            <a:r>
-              <a:rPr lang="pt-BR" dirty="0" err="1"/>
-              <a:t>feature</a:t>
-            </a:r>
-            <a:r>
-              <a:rPr lang="pt-BR" dirty="0"/>
-              <a:t>, fazendo essas perguntas, principalmente do me da um exemplo, me explica como funciona essa funcionalidade</a:t>
-            </a:r>
-          </a:p>
-        </p:txBody>
-      </p:sp>
-      <p:sp>
-        <p:nvSpPr>
-          <p:cNvPr id="5" name="Balão de Fala: Retângulo 4">
-            <a:extLst>
-              <a:ext uri="{FF2B5EF4-FFF2-40B4-BE49-F238E27FC236}">
-                <a16:creationId xmlns:a16="http://schemas.microsoft.com/office/drawing/2014/main" id="{6FF55904-FB17-47B9-80B1-89168FA459BD}"/>
-              </a:ext>
-            </a:extLst>
-          </p:cNvPr>
-          <p:cNvSpPr/>
-          <p:nvPr/>
-        </p:nvSpPr>
-        <p:spPr>
-          <a:xfrm>
-            <a:off x="993913" y="2676939"/>
-            <a:ext cx="10005391" cy="2809461"/>
-          </a:xfrm>
-          <a:prstGeom prst="wedgeRectCallout">
-            <a:avLst/>
-          </a:prstGeom>
-        </p:spPr>
-        <p:style>
-          <a:lnRef idx="2">
-            <a:schemeClr val="accent1">
-              <a:shade val="50000"/>
-            </a:schemeClr>
-          </a:lnRef>
-          <a:fillRef idx="1">
-            <a:schemeClr val="accent1"/>
-          </a:fillRef>
-          <a:effectRef idx="0">
-            <a:schemeClr val="accent1"/>
-          </a:effectRef>
-          <a:fontRef idx="minor">
-            <a:schemeClr val="lt1"/>
-          </a:fontRef>
-        </p:style>
-        <p:txBody>
-          <a:bodyPr rtlCol="0" anchor="ctr"/>
-          <a:lstStyle/>
-          <a:p>
-            <a:pPr algn="ctr"/>
-            <a:r>
-              <a:rPr lang="pt-BR" dirty="0"/>
-              <a:t>A partir dai o time vai fazer a definição do requisito, esse detalhamento ele vai com regra exemplos e o principal aqui que é o segundo ponto do BDD é trazer o entendimento compartilhado</a:t>
-            </a:r>
-          </a:p>
-          <a:p>
-            <a:pPr algn="ctr"/>
-            <a:endParaRPr lang="pt-BR" dirty="0"/>
-          </a:p>
-          <a:p>
-            <a:pPr algn="ctr"/>
-            <a:r>
-              <a:rPr lang="pt-BR" dirty="0"/>
-              <a:t>O que é o entendimento compartilhado, através da definição desse requisito, todo mundo do time inclusive quem está requisitando sabe o que vai acontecer através de uma única definição</a:t>
-            </a:r>
-          </a:p>
-        </p:txBody>
-      </p:sp>
-    </p:spTree>
-    <p:extLst>
-      <p:ext uri="{BB962C8B-B14F-4D97-AF65-F5344CB8AC3E}">
-        <p14:creationId xmlns:p14="http://schemas.microsoft.com/office/powerpoint/2010/main" val="2020419343"/>
+        <p14:creationId xmlns:p14="http://schemas.microsoft.com/office/powerpoint/2010/main" val="2426438477"/>
       </p:ext>
     </p:extLst>
   </p:cSld>
